--- a/lectures/030_datatypes_and_variables/Datatypes-Variables.pptx
+++ b/lectures/030_datatypes_and_variables/Datatypes-Variables.pptx
@@ -5,29 +5,28 @@
     <p:sldMasterId id="2147483732" r:id="rId1"/>
   </p:sldMasterIdLst>
   <p:notesMasterIdLst>
-    <p:notesMasterId r:id="rId19"/>
+    <p:notesMasterId r:id="rId18"/>
   </p:notesMasterIdLst>
   <p:handoutMasterIdLst>
-    <p:handoutMasterId r:id="rId20"/>
+    <p:handoutMasterId r:id="rId19"/>
   </p:handoutMasterIdLst>
   <p:sldIdLst>
     <p:sldId id="256" r:id="rId2"/>
-    <p:sldId id="307" r:id="rId3"/>
-    <p:sldId id="279" r:id="rId4"/>
-    <p:sldId id="312" r:id="rId5"/>
-    <p:sldId id="308" r:id="rId6"/>
-    <p:sldId id="309" r:id="rId7"/>
-    <p:sldId id="310" r:id="rId8"/>
-    <p:sldId id="311" r:id="rId9"/>
-    <p:sldId id="313" r:id="rId10"/>
-    <p:sldId id="315" r:id="rId11"/>
-    <p:sldId id="314" r:id="rId12"/>
-    <p:sldId id="316" r:id="rId13"/>
-    <p:sldId id="317" r:id="rId14"/>
-    <p:sldId id="318" r:id="rId15"/>
-    <p:sldId id="319" r:id="rId16"/>
-    <p:sldId id="320" r:id="rId17"/>
-    <p:sldId id="321" r:id="rId18"/>
+    <p:sldId id="279" r:id="rId3"/>
+    <p:sldId id="312" r:id="rId4"/>
+    <p:sldId id="308" r:id="rId5"/>
+    <p:sldId id="309" r:id="rId6"/>
+    <p:sldId id="310" r:id="rId7"/>
+    <p:sldId id="311" r:id="rId8"/>
+    <p:sldId id="313" r:id="rId9"/>
+    <p:sldId id="315" r:id="rId10"/>
+    <p:sldId id="314" r:id="rId11"/>
+    <p:sldId id="316" r:id="rId12"/>
+    <p:sldId id="317" r:id="rId13"/>
+    <p:sldId id="318" r:id="rId14"/>
+    <p:sldId id="319" r:id="rId15"/>
+    <p:sldId id="320" r:id="rId16"/>
+    <p:sldId id="321" r:id="rId17"/>
   </p:sldIdLst>
   <p:sldSz cx="12188825" cy="6858000"/>
   <p:notesSz cx="6858000" cy="9144000"/>
@@ -1589,7 +1588,7 @@
           <a:p>
             <a:fld id="{2507D560-C4D4-4804-8CBF-2C56AB6C6DB9}" type="datetimeFigureOut">
               <a:rPr lang="en-US" smtClean="0"/>
-              <a:t>2/15/2021</a:t>
+              <a:t>5/25/2021</a:t>
             </a:fld>
             <a:endParaRPr lang="en-US"/>
           </a:p>
@@ -1754,7 +1753,7 @@
           <a:p>
             <a:fld id="{688E7586-9A7B-41FF-B169-85DADA744493}" type="datetimeFigureOut">
               <a:rPr lang="en-US" smtClean="0"/>
-              <a:t>2/15/2021</a:t>
+              <a:t>5/25/2021</a:t>
             </a:fld>
             <a:endParaRPr lang="en-US"/>
           </a:p>
@@ -2086,7 +2085,7 @@
           <a:p>
             <a:fld id="{A1C84708-EF86-4919-A70B-6AFA04E8487E}" type="slidenum">
               <a:rPr lang="en-US" smtClean="0"/>
-              <a:t>9</a:t>
+              <a:t>8</a:t>
             </a:fld>
             <a:endParaRPr lang="en-US"/>
           </a:p>
@@ -5463,8 +5462,13 @@
           <a:p>
             <a:r>
               <a:rPr lang="en-US" dirty="0"/>
-              <a:t>Spring 2021</a:t>
-            </a:r>
+              <a:t>Spring </a:t>
+            </a:r>
+            <a:r>
+              <a:rPr lang="en-US" dirty="0" smtClean="0"/>
+              <a:t>20XX</a:t>
+            </a:r>
+            <a:endParaRPr lang="en-US" dirty="0"/>
           </a:p>
         </p:txBody>
       </p:sp>
@@ -5512,137 +5516,6 @@
 </file>
 
 <file path=ppt/slides/slide10.xml><?xml version="1.0" encoding="utf-8"?>
-<p:sld xmlns:a="http://schemas.openxmlformats.org/drawingml/2006/main" xmlns:r="http://schemas.openxmlformats.org/officeDocument/2006/relationships" xmlns:p="http://schemas.openxmlformats.org/presentationml/2006/main">
-  <p:cSld>
-    <p:spTree>
-      <p:nvGrpSpPr>
-        <p:cNvPr id="1" name=""/>
-        <p:cNvGrpSpPr/>
-        <p:nvPr/>
-      </p:nvGrpSpPr>
-      <p:grpSpPr>
-        <a:xfrm>
-          <a:off x="0" y="0"/>
-          <a:ext cx="0" cy="0"/>
-          <a:chOff x="0" y="0"/>
-          <a:chExt cx="0" cy="0"/>
-        </a:xfrm>
-      </p:grpSpPr>
-      <p:sp>
-        <p:nvSpPr>
-          <p:cNvPr id="6" name="Title 5"/>
-          <p:cNvSpPr>
-            <a:spLocks noGrp="1"/>
-          </p:cNvSpPr>
-          <p:nvPr>
-            <p:ph type="title"/>
-          </p:nvPr>
-        </p:nvSpPr>
-        <p:spPr/>
-        <p:txBody>
-          <a:bodyPr/>
-          <a:lstStyle/>
-          <a:p>
-            <a:r>
-              <a:rPr lang="en-US" dirty="0"/>
-              <a:t>Outline</a:t>
-            </a:r>
-          </a:p>
-        </p:txBody>
-      </p:sp>
-      <p:sp>
-        <p:nvSpPr>
-          <p:cNvPr id="7" name="Content Placeholder 6"/>
-          <p:cNvSpPr>
-            <a:spLocks noGrp="1"/>
-          </p:cNvSpPr>
-          <p:nvPr>
-            <p:ph idx="1"/>
-          </p:nvPr>
-        </p:nvSpPr>
-        <p:spPr/>
-        <p:txBody>
-          <a:bodyPr>
-            <a:normAutofit/>
-          </a:bodyPr>
-          <a:lstStyle/>
-          <a:p>
-            <a:r>
-              <a:rPr lang="en-US" dirty="0"/>
-              <a:t>Basic C# Datatypes</a:t>
-            </a:r>
-          </a:p>
-          <a:p>
-            <a:r>
-              <a:rPr lang="en-US" dirty="0"/>
-              <a:t>Literals and Variables</a:t>
-            </a:r>
-          </a:p>
-          <a:p>
-            <a:r>
-              <a:rPr lang="en-US" b="1" dirty="0"/>
-              <a:t>Basic Variable Operations</a:t>
-            </a:r>
-          </a:p>
-          <a:p>
-            <a:pPr lvl="1"/>
-            <a:r>
-              <a:rPr lang="en-US" dirty="0"/>
-              <a:t>Declaration</a:t>
-            </a:r>
-          </a:p>
-          <a:p>
-            <a:pPr lvl="1"/>
-            <a:r>
-              <a:rPr lang="en-US" dirty="0"/>
-              <a:t>Assignment</a:t>
-            </a:r>
-          </a:p>
-          <a:p>
-            <a:pPr lvl="1"/>
-            <a:r>
-              <a:rPr lang="en-US" dirty="0"/>
-              <a:t>Displaying</a:t>
-            </a:r>
-          </a:p>
-        </p:txBody>
-      </p:sp>
-      <p:sp>
-        <p:nvSpPr>
-          <p:cNvPr id="4" name="Footer Placeholder 3"/>
-          <p:cNvSpPr>
-            <a:spLocks noGrp="1"/>
-          </p:cNvSpPr>
-          <p:nvPr>
-            <p:ph type="ftr" sz="quarter" idx="11"/>
-          </p:nvPr>
-        </p:nvSpPr>
-        <p:spPr/>
-        <p:txBody>
-          <a:bodyPr/>
-          <a:lstStyle/>
-          <a:p>
-            <a:r>
-              <a:rPr lang="en-US" dirty="0"/>
-              <a:t>CSCI 1301</a:t>
-            </a:r>
-          </a:p>
-        </p:txBody>
-      </p:sp>
-    </p:spTree>
-    <p:extLst>
-      <p:ext uri="{BB962C8B-B14F-4D97-AF65-F5344CB8AC3E}">
-        <p14:creationId xmlns:p14="http://schemas.microsoft.com/office/powerpoint/2010/main" val="2577889060"/>
-      </p:ext>
-    </p:extLst>
-  </p:cSld>
-  <p:clrMapOvr>
-    <a:masterClrMapping/>
-  </p:clrMapOvr>
-</p:sld>
-</file>
-
-<file path=ppt/slides/slide11.xml><?xml version="1.0" encoding="utf-8"?>
 <p:sld xmlns:a="http://schemas.openxmlformats.org/drawingml/2006/main" xmlns:r="http://schemas.openxmlformats.org/officeDocument/2006/relationships" xmlns:p="http://schemas.openxmlformats.org/presentationml/2006/main">
   <p:cSld>
     <p:spTree>
@@ -6671,7 +6544,7 @@
 </p:sld>
 </file>
 
-<file path=ppt/slides/slide12.xml><?xml version="1.0" encoding="utf-8"?>
+<file path=ppt/slides/slide11.xml><?xml version="1.0" encoding="utf-8"?>
 <p:sld xmlns:a="http://schemas.openxmlformats.org/drawingml/2006/main" xmlns:r="http://schemas.openxmlformats.org/officeDocument/2006/relationships" xmlns:p="http://schemas.openxmlformats.org/presentationml/2006/main">
   <p:cSld>
     <p:spTree>
@@ -7525,7 +7398,7 @@
 </p:sld>
 </file>
 
-<file path=ppt/slides/slide13.xml><?xml version="1.0" encoding="utf-8"?>
+<file path=ppt/slides/slide12.xml><?xml version="1.0" encoding="utf-8"?>
 <p:sld xmlns:a="http://schemas.openxmlformats.org/drawingml/2006/main" xmlns:r="http://schemas.openxmlformats.org/officeDocument/2006/relationships" xmlns:p="http://schemas.openxmlformats.org/presentationml/2006/main">
   <p:cSld>
     <p:spTree>
@@ -8449,7 +8322,7 @@
 </p:sld>
 </file>
 
-<file path=ppt/slides/slide14.xml><?xml version="1.0" encoding="utf-8"?>
+<file path=ppt/slides/slide13.xml><?xml version="1.0" encoding="utf-8"?>
 <p:sld xmlns:a="http://schemas.openxmlformats.org/drawingml/2006/main" xmlns:r="http://schemas.openxmlformats.org/officeDocument/2006/relationships" xmlns:p="http://schemas.openxmlformats.org/presentationml/2006/main">
   <p:cSld>
     <p:spTree>
@@ -9160,7 +9033,7 @@
 </p:sld>
 </file>
 
-<file path=ppt/slides/slide15.xml><?xml version="1.0" encoding="utf-8"?>
+<file path=ppt/slides/slide14.xml><?xml version="1.0" encoding="utf-8"?>
 <p:sld xmlns:a="http://schemas.openxmlformats.org/drawingml/2006/main" xmlns:r="http://schemas.openxmlformats.org/officeDocument/2006/relationships" xmlns:p="http://schemas.openxmlformats.org/presentationml/2006/main">
   <p:cSld>
     <p:spTree>
@@ -9868,7 +9741,7 @@
 </p:sld>
 </file>
 
-<file path=ppt/slides/slide16.xml><?xml version="1.0" encoding="utf-8"?>
+<file path=ppt/slides/slide15.xml><?xml version="1.0" encoding="utf-8"?>
 <p:sld xmlns:a="http://schemas.openxmlformats.org/drawingml/2006/main" xmlns:r="http://schemas.openxmlformats.org/officeDocument/2006/relationships" xmlns:p="http://schemas.openxmlformats.org/presentationml/2006/main">
   <p:cSld>
     <p:spTree>
@@ -10432,7 +10305,7 @@
 </p:sld>
 </file>
 
-<file path=ppt/slides/slide17.xml><?xml version="1.0" encoding="utf-8"?>
+<file path=ppt/slides/slide16.xml><?xml version="1.0" encoding="utf-8"?>
 <p:sld xmlns:a="http://schemas.openxmlformats.org/drawingml/2006/main" xmlns:r="http://schemas.openxmlformats.org/officeDocument/2006/relationships" xmlns:p="http://schemas.openxmlformats.org/presentationml/2006/main">
   <p:cSld>
     <p:spTree>
@@ -10582,132 +10455,6 @@
       </p:grpSpPr>
       <p:sp>
         <p:nvSpPr>
-          <p:cNvPr id="2" name="Title 1">
-            <a:extLst>
-              <a:ext uri="{FF2B5EF4-FFF2-40B4-BE49-F238E27FC236}">
-                <a16:creationId xmlns:a16="http://schemas.microsoft.com/office/drawing/2014/main" id="{9FB62947-9405-4033-8F86-87BAB797C57D}"/>
-              </a:ext>
-            </a:extLst>
-          </p:cNvPr>
-          <p:cNvSpPr>
-            <a:spLocks noGrp="1"/>
-          </p:cNvSpPr>
-          <p:nvPr>
-            <p:ph type="title"/>
-          </p:nvPr>
-        </p:nvSpPr>
-        <p:spPr/>
-        <p:txBody>
-          <a:bodyPr/>
-          <a:lstStyle/>
-          <a:p>
-            <a:r>
-              <a:rPr lang="en-US" dirty="0"/>
-              <a:t>Announcements</a:t>
-            </a:r>
-          </a:p>
-        </p:txBody>
-      </p:sp>
-      <p:sp>
-        <p:nvSpPr>
-          <p:cNvPr id="3" name="Content Placeholder 2">
-            <a:extLst>
-              <a:ext uri="{FF2B5EF4-FFF2-40B4-BE49-F238E27FC236}">
-                <a16:creationId xmlns:a16="http://schemas.microsoft.com/office/drawing/2014/main" id="{5F22BBD3-BB03-4778-A5DD-D18EA517066E}"/>
-              </a:ext>
-            </a:extLst>
-          </p:cNvPr>
-          <p:cNvSpPr>
-            <a:spLocks noGrp="1"/>
-          </p:cNvSpPr>
-          <p:nvPr>
-            <p:ph idx="1"/>
-          </p:nvPr>
-        </p:nvSpPr>
-        <p:spPr/>
-        <p:txBody>
-          <a:bodyPr/>
-          <a:lstStyle/>
-          <a:p>
-            <a:r>
-              <a:rPr lang="en-US" dirty="0"/>
-              <a:t>Quiz grades will be on D2L when finished</a:t>
-            </a:r>
-          </a:p>
-          <a:p>
-            <a:r>
-              <a:rPr lang="en-US" dirty="0"/>
-              <a:t>Homework 2 posted</a:t>
-            </a:r>
-          </a:p>
-          <a:p>
-            <a:r>
-              <a:rPr lang="en-US" dirty="0"/>
-              <a:t>No rush, but study it before the midterm</a:t>
-            </a:r>
-          </a:p>
-        </p:txBody>
-      </p:sp>
-      <p:sp>
-        <p:nvSpPr>
-          <p:cNvPr id="4" name="Footer Placeholder 3">
-            <a:extLst>
-              <a:ext uri="{FF2B5EF4-FFF2-40B4-BE49-F238E27FC236}">
-                <a16:creationId xmlns:a16="http://schemas.microsoft.com/office/drawing/2014/main" id="{EB40CA3A-792E-43D7-8C3B-8A3406A4FABE}"/>
-              </a:ext>
-            </a:extLst>
-          </p:cNvPr>
-          <p:cNvSpPr>
-            <a:spLocks noGrp="1"/>
-          </p:cNvSpPr>
-          <p:nvPr>
-            <p:ph type="ftr" sz="quarter" idx="11"/>
-          </p:nvPr>
-        </p:nvSpPr>
-        <p:spPr/>
-        <p:txBody>
-          <a:bodyPr/>
-          <a:lstStyle/>
-          <a:p>
-            <a:r>
-              <a:rPr lang="en-US"/>
-              <a:t>CSCI 1301</a:t>
-            </a:r>
-          </a:p>
-        </p:txBody>
-      </p:sp>
-    </p:spTree>
-    <p:extLst>
-      <p:ext uri="{BB962C8B-B14F-4D97-AF65-F5344CB8AC3E}">
-        <p14:creationId xmlns:p14="http://schemas.microsoft.com/office/powerpoint/2010/main" val="3269551730"/>
-      </p:ext>
-    </p:extLst>
-  </p:cSld>
-  <p:clrMapOvr>
-    <a:masterClrMapping/>
-  </p:clrMapOvr>
-</p:sld>
-</file>
-
-<file path=ppt/slides/slide3.xml><?xml version="1.0" encoding="utf-8"?>
-<p:sld xmlns:a="http://schemas.openxmlformats.org/drawingml/2006/main" xmlns:r="http://schemas.openxmlformats.org/officeDocument/2006/relationships" xmlns:p="http://schemas.openxmlformats.org/presentationml/2006/main">
-  <p:cSld>
-    <p:spTree>
-      <p:nvGrpSpPr>
-        <p:cNvPr id="1" name=""/>
-        <p:cNvGrpSpPr/>
-        <p:nvPr/>
-      </p:nvGrpSpPr>
-      <p:grpSpPr>
-        <a:xfrm>
-          <a:off x="0" y="0"/>
-          <a:ext cx="0" cy="0"/>
-          <a:chOff x="0" y="0"/>
-          <a:chExt cx="0" cy="0"/>
-        </a:xfrm>
-      </p:grpSpPr>
-      <p:sp>
-        <p:nvSpPr>
           <p:cNvPr id="6" name="Title 5"/>
           <p:cNvSpPr>
             <a:spLocks noGrp="1"/>
@@ -10820,7 +10567,7 @@
 </p:sld>
 </file>
 
-<file path=ppt/slides/slide4.xml><?xml version="1.0" encoding="utf-8"?>
+<file path=ppt/slides/slide3.xml><?xml version="1.0" encoding="utf-8"?>
 <p:sld xmlns:a="http://schemas.openxmlformats.org/drawingml/2006/main" xmlns:r="http://schemas.openxmlformats.org/officeDocument/2006/relationships" xmlns:p="http://schemas.openxmlformats.org/presentationml/2006/main">
   <p:cSld>
     <p:spTree>
@@ -11871,7 +11618,7 @@
 </p:sld>
 </file>
 
-<file path=ppt/slides/slide5.xml><?xml version="1.0" encoding="utf-8"?>
+<file path=ppt/slides/slide4.xml><?xml version="1.0" encoding="utf-8"?>
 <p:sld xmlns:a="http://schemas.openxmlformats.org/drawingml/2006/main" xmlns:r="http://schemas.openxmlformats.org/officeDocument/2006/relationships" xmlns:p="http://schemas.openxmlformats.org/presentationml/2006/main">
   <p:cSld>
     <p:spTree>
@@ -12112,6 +11859,263 @@
 </p:sld>
 </file>
 
+<file path=ppt/slides/slide5.xml><?xml version="1.0" encoding="utf-8"?>
+<p:sld xmlns:a="http://schemas.openxmlformats.org/drawingml/2006/main" xmlns:r="http://schemas.openxmlformats.org/officeDocument/2006/relationships" xmlns:p="http://schemas.openxmlformats.org/presentationml/2006/main">
+  <p:cSld>
+    <p:spTree>
+      <p:nvGrpSpPr>
+        <p:cNvPr id="1" name=""/>
+        <p:cNvGrpSpPr/>
+        <p:nvPr/>
+      </p:nvGrpSpPr>
+      <p:grpSpPr>
+        <a:xfrm>
+          <a:off x="0" y="0"/>
+          <a:ext cx="0" cy="0"/>
+          <a:chOff x="0" y="0"/>
+          <a:chExt cx="0" cy="0"/>
+        </a:xfrm>
+      </p:grpSpPr>
+      <p:sp>
+        <p:nvSpPr>
+          <p:cNvPr id="2" name="Title 1">
+            <a:extLst>
+              <a:ext uri="{FF2B5EF4-FFF2-40B4-BE49-F238E27FC236}">
+                <a16:creationId xmlns:a16="http://schemas.microsoft.com/office/drawing/2014/main" id="{DF1E60B7-20EE-4E0C-A8E8-6D0580C7D734}"/>
+              </a:ext>
+            </a:extLst>
+          </p:cNvPr>
+          <p:cNvSpPr>
+            <a:spLocks noGrp="1"/>
+          </p:cNvSpPr>
+          <p:nvPr>
+            <p:ph type="title"/>
+          </p:nvPr>
+        </p:nvSpPr>
+        <p:spPr/>
+        <p:txBody>
+          <a:bodyPr/>
+          <a:lstStyle/>
+          <a:p>
+            <a:r>
+              <a:rPr lang="en-US" dirty="0"/>
+              <a:t>Some C# Datatypes and Keywords</a:t>
+            </a:r>
+          </a:p>
+        </p:txBody>
+      </p:sp>
+      <p:sp>
+        <p:nvSpPr>
+          <p:cNvPr id="3" name="Content Placeholder 2">
+            <a:extLst>
+              <a:ext uri="{FF2B5EF4-FFF2-40B4-BE49-F238E27FC236}">
+                <a16:creationId xmlns:a16="http://schemas.microsoft.com/office/drawing/2014/main" id="{EA9C5DE6-6A68-4D41-AC26-DB04BBB53104}"/>
+              </a:ext>
+            </a:extLst>
+          </p:cNvPr>
+          <p:cNvSpPr>
+            <a:spLocks noGrp="1"/>
+          </p:cNvSpPr>
+          <p:nvPr>
+            <p:ph idx="1"/>
+          </p:nvPr>
+        </p:nvSpPr>
+        <p:spPr/>
+        <p:txBody>
+          <a:bodyPr>
+            <a:normAutofit lnSpcReduction="10000"/>
+          </a:bodyPr>
+          <a:lstStyle/>
+          <a:p>
+            <a:r>
+              <a:rPr lang="en-US" dirty="0"/>
+              <a:t>Text:</a:t>
+            </a:r>
+          </a:p>
+          <a:p>
+            <a:pPr lvl="1"/>
+            <a:r>
+              <a:rPr lang="en-US" dirty="0">
+                <a:latin typeface="Consolas" panose="020B0609020204030204" pitchFamily="49" charset="0"/>
+              </a:rPr>
+              <a:t>string </a:t>
+            </a:r>
+            <a:r>
+              <a:rPr lang="en-US" dirty="0"/>
+              <a:t>= a string, like </a:t>
+            </a:r>
+            <a:r>
+              <a:rPr lang="en-US" dirty="0">
+                <a:latin typeface="Consolas" panose="020B0609020204030204" pitchFamily="49" charset="0"/>
+              </a:rPr>
+              <a:t>"Hello World!"</a:t>
+            </a:r>
+          </a:p>
+          <a:p>
+            <a:pPr lvl="1"/>
+            <a:r>
+              <a:rPr lang="en-US" dirty="0">
+                <a:latin typeface="Consolas" panose="020B0609020204030204" pitchFamily="49" charset="0"/>
+              </a:rPr>
+              <a:t>char </a:t>
+            </a:r>
+            <a:r>
+              <a:rPr lang="en-US" dirty="0"/>
+              <a:t>= a single character, like </a:t>
+            </a:r>
+            <a:r>
+              <a:rPr lang="en-US" dirty="0">
+                <a:latin typeface="Consolas" panose="020B0609020204030204" pitchFamily="49" charset="0"/>
+              </a:rPr>
+              <a:t>'e'</a:t>
+            </a:r>
+            <a:r>
+              <a:rPr lang="en-US" dirty="0"/>
+              <a:t> or </a:t>
+            </a:r>
+            <a:r>
+              <a:rPr lang="en-US" dirty="0">
+                <a:latin typeface="Consolas" panose="020B0609020204030204" pitchFamily="49" charset="0"/>
+              </a:rPr>
+              <a:t>'\t'</a:t>
+            </a:r>
+          </a:p>
+          <a:p>
+            <a:r>
+              <a:rPr lang="en-US" dirty="0"/>
+              <a:t>Numbers:</a:t>
+            </a:r>
+          </a:p>
+          <a:p>
+            <a:pPr lvl="1"/>
+            <a:r>
+              <a:rPr lang="en-US" dirty="0">
+                <a:latin typeface="Consolas" panose="020B0609020204030204" pitchFamily="49" charset="0"/>
+              </a:rPr>
+              <a:t>int </a:t>
+            </a:r>
+            <a:r>
+              <a:rPr lang="en-US" dirty="0"/>
+              <a:t>= an integer, like -2 or 65536</a:t>
+            </a:r>
+          </a:p>
+          <a:p>
+            <a:pPr lvl="1"/>
+            <a:r>
+              <a:rPr lang="en-US" dirty="0" err="1">
+                <a:latin typeface="Consolas" panose="020B0609020204030204" pitchFamily="49" charset="0"/>
+              </a:rPr>
+              <a:t>uint</a:t>
+            </a:r>
+            <a:r>
+              <a:rPr lang="en-US" dirty="0">
+                <a:latin typeface="Consolas" panose="020B0609020204030204" pitchFamily="49" charset="0"/>
+              </a:rPr>
+              <a:t> </a:t>
+            </a:r>
+            <a:r>
+              <a:rPr lang="en-US" dirty="0"/>
+              <a:t>= an </a:t>
+            </a:r>
+            <a:r>
+              <a:rPr lang="en-US" i="1" dirty="0"/>
+              <a:t>unsigned</a:t>
+            </a:r>
+            <a:r>
+              <a:rPr lang="en-US" dirty="0"/>
+              <a:t> integer, i.e. a natural number, like 42</a:t>
+            </a:r>
+          </a:p>
+          <a:p>
+            <a:pPr lvl="1"/>
+            <a:r>
+              <a:rPr lang="en-US" dirty="0">
+                <a:latin typeface="Consolas" panose="020B0609020204030204" pitchFamily="49" charset="0"/>
+              </a:rPr>
+              <a:t>float </a:t>
+            </a:r>
+            <a:r>
+              <a:rPr lang="en-US" dirty="0"/>
+              <a:t>= a “floating-point” number, aka real number, like 3.85</a:t>
+            </a:r>
+          </a:p>
+          <a:p>
+            <a:pPr lvl="1"/>
+            <a:r>
+              <a:rPr lang="en-US" dirty="0">
+                <a:latin typeface="Consolas" panose="020B0609020204030204" pitchFamily="49" charset="0"/>
+              </a:rPr>
+              <a:t>double </a:t>
+            </a:r>
+            <a:r>
+              <a:rPr lang="en-US" dirty="0"/>
+              <a:t>= also a real number (3.85), but with “double precision”</a:t>
+            </a:r>
+          </a:p>
+          <a:p>
+            <a:pPr lvl="1"/>
+            <a:r>
+              <a:rPr lang="en-US" dirty="0">
+                <a:latin typeface="Consolas" panose="020B0609020204030204" pitchFamily="49" charset="0"/>
+              </a:rPr>
+              <a:t>decimal </a:t>
+            </a:r>
+            <a:r>
+              <a:rPr lang="en-US" dirty="0"/>
+              <a:t>= an </a:t>
+            </a:r>
+            <a:r>
+              <a:rPr lang="en-US"/>
+              <a:t>“exact decimal” </a:t>
+            </a:r>
+            <a:r>
+              <a:rPr lang="en-US" dirty="0"/>
+              <a:t>real number with 28 digits of precision</a:t>
+            </a:r>
+          </a:p>
+        </p:txBody>
+      </p:sp>
+      <p:sp>
+        <p:nvSpPr>
+          <p:cNvPr id="4" name="Footer Placeholder 3">
+            <a:extLst>
+              <a:ext uri="{FF2B5EF4-FFF2-40B4-BE49-F238E27FC236}">
+                <a16:creationId xmlns:a16="http://schemas.microsoft.com/office/drawing/2014/main" id="{3C241903-0583-4C88-9889-B105884A008B}"/>
+              </a:ext>
+            </a:extLst>
+          </p:cNvPr>
+          <p:cNvSpPr>
+            <a:spLocks noGrp="1"/>
+          </p:cNvSpPr>
+          <p:nvPr>
+            <p:ph type="ftr" sz="quarter" idx="11"/>
+          </p:nvPr>
+        </p:nvSpPr>
+        <p:spPr/>
+        <p:txBody>
+          <a:bodyPr/>
+          <a:lstStyle/>
+          <a:p>
+            <a:r>
+              <a:rPr lang="en-US"/>
+              <a:t>CSCI 1301</a:t>
+            </a:r>
+          </a:p>
+        </p:txBody>
+      </p:sp>
+    </p:spTree>
+    <p:extLst>
+      <p:ext uri="{BB962C8B-B14F-4D97-AF65-F5344CB8AC3E}">
+        <p14:creationId xmlns:p14="http://schemas.microsoft.com/office/powerpoint/2010/main" val="106207093"/>
+      </p:ext>
+    </p:extLst>
+  </p:cSld>
+  <p:clrMapOvr>
+    <a:masterClrMapping/>
+  </p:clrMapOvr>
+</p:sld>
+</file>
+
 <file path=ppt/slides/slide6.xml><?xml version="1.0" encoding="utf-8"?>
 <p:sld xmlns:a="http://schemas.openxmlformats.org/drawingml/2006/main" xmlns:r="http://schemas.openxmlformats.org/officeDocument/2006/relationships" xmlns:p="http://schemas.openxmlformats.org/presentationml/2006/main">
   <p:cSld>
@@ -12131,263 +12135,6 @@
       </p:grpSpPr>
       <p:sp>
         <p:nvSpPr>
-          <p:cNvPr id="2" name="Title 1">
-            <a:extLst>
-              <a:ext uri="{FF2B5EF4-FFF2-40B4-BE49-F238E27FC236}">
-                <a16:creationId xmlns:a16="http://schemas.microsoft.com/office/drawing/2014/main" id="{DF1E60B7-20EE-4E0C-A8E8-6D0580C7D734}"/>
-              </a:ext>
-            </a:extLst>
-          </p:cNvPr>
-          <p:cNvSpPr>
-            <a:spLocks noGrp="1"/>
-          </p:cNvSpPr>
-          <p:nvPr>
-            <p:ph type="title"/>
-          </p:nvPr>
-        </p:nvSpPr>
-        <p:spPr/>
-        <p:txBody>
-          <a:bodyPr/>
-          <a:lstStyle/>
-          <a:p>
-            <a:r>
-              <a:rPr lang="en-US" dirty="0"/>
-              <a:t>Some C# Datatypes and Keywords</a:t>
-            </a:r>
-          </a:p>
-        </p:txBody>
-      </p:sp>
-      <p:sp>
-        <p:nvSpPr>
-          <p:cNvPr id="3" name="Content Placeholder 2">
-            <a:extLst>
-              <a:ext uri="{FF2B5EF4-FFF2-40B4-BE49-F238E27FC236}">
-                <a16:creationId xmlns:a16="http://schemas.microsoft.com/office/drawing/2014/main" id="{EA9C5DE6-6A68-4D41-AC26-DB04BBB53104}"/>
-              </a:ext>
-            </a:extLst>
-          </p:cNvPr>
-          <p:cNvSpPr>
-            <a:spLocks noGrp="1"/>
-          </p:cNvSpPr>
-          <p:nvPr>
-            <p:ph idx="1"/>
-          </p:nvPr>
-        </p:nvSpPr>
-        <p:spPr/>
-        <p:txBody>
-          <a:bodyPr>
-            <a:normAutofit lnSpcReduction="10000"/>
-          </a:bodyPr>
-          <a:lstStyle/>
-          <a:p>
-            <a:r>
-              <a:rPr lang="en-US" dirty="0"/>
-              <a:t>Text:</a:t>
-            </a:r>
-          </a:p>
-          <a:p>
-            <a:pPr lvl="1"/>
-            <a:r>
-              <a:rPr lang="en-US" dirty="0">
-                <a:latin typeface="Consolas" panose="020B0609020204030204" pitchFamily="49" charset="0"/>
-              </a:rPr>
-              <a:t>string </a:t>
-            </a:r>
-            <a:r>
-              <a:rPr lang="en-US" dirty="0"/>
-              <a:t>= a string, like </a:t>
-            </a:r>
-            <a:r>
-              <a:rPr lang="en-US" dirty="0">
-                <a:latin typeface="Consolas" panose="020B0609020204030204" pitchFamily="49" charset="0"/>
-              </a:rPr>
-              <a:t>"Hello World!"</a:t>
-            </a:r>
-          </a:p>
-          <a:p>
-            <a:pPr lvl="1"/>
-            <a:r>
-              <a:rPr lang="en-US" dirty="0">
-                <a:latin typeface="Consolas" panose="020B0609020204030204" pitchFamily="49" charset="0"/>
-              </a:rPr>
-              <a:t>char </a:t>
-            </a:r>
-            <a:r>
-              <a:rPr lang="en-US" dirty="0"/>
-              <a:t>= a single character, like </a:t>
-            </a:r>
-            <a:r>
-              <a:rPr lang="en-US" dirty="0">
-                <a:latin typeface="Consolas" panose="020B0609020204030204" pitchFamily="49" charset="0"/>
-              </a:rPr>
-              <a:t>'e'</a:t>
-            </a:r>
-            <a:r>
-              <a:rPr lang="en-US" dirty="0"/>
-              <a:t> or </a:t>
-            </a:r>
-            <a:r>
-              <a:rPr lang="en-US" dirty="0">
-                <a:latin typeface="Consolas" panose="020B0609020204030204" pitchFamily="49" charset="0"/>
-              </a:rPr>
-              <a:t>'\t'</a:t>
-            </a:r>
-          </a:p>
-          <a:p>
-            <a:r>
-              <a:rPr lang="en-US" dirty="0"/>
-              <a:t>Numbers:</a:t>
-            </a:r>
-          </a:p>
-          <a:p>
-            <a:pPr lvl="1"/>
-            <a:r>
-              <a:rPr lang="en-US" dirty="0">
-                <a:latin typeface="Consolas" panose="020B0609020204030204" pitchFamily="49" charset="0"/>
-              </a:rPr>
-              <a:t>int </a:t>
-            </a:r>
-            <a:r>
-              <a:rPr lang="en-US" dirty="0"/>
-              <a:t>= an integer, like -2 or 65536</a:t>
-            </a:r>
-          </a:p>
-          <a:p>
-            <a:pPr lvl="1"/>
-            <a:r>
-              <a:rPr lang="en-US" dirty="0" err="1">
-                <a:latin typeface="Consolas" panose="020B0609020204030204" pitchFamily="49" charset="0"/>
-              </a:rPr>
-              <a:t>uint</a:t>
-            </a:r>
-            <a:r>
-              <a:rPr lang="en-US" dirty="0">
-                <a:latin typeface="Consolas" panose="020B0609020204030204" pitchFamily="49" charset="0"/>
-              </a:rPr>
-              <a:t> </a:t>
-            </a:r>
-            <a:r>
-              <a:rPr lang="en-US" dirty="0"/>
-              <a:t>= an </a:t>
-            </a:r>
-            <a:r>
-              <a:rPr lang="en-US" i="1" dirty="0"/>
-              <a:t>unsigned</a:t>
-            </a:r>
-            <a:r>
-              <a:rPr lang="en-US" dirty="0"/>
-              <a:t> integer, i.e. a natural number, like 42</a:t>
-            </a:r>
-          </a:p>
-          <a:p>
-            <a:pPr lvl="1"/>
-            <a:r>
-              <a:rPr lang="en-US" dirty="0">
-                <a:latin typeface="Consolas" panose="020B0609020204030204" pitchFamily="49" charset="0"/>
-              </a:rPr>
-              <a:t>float </a:t>
-            </a:r>
-            <a:r>
-              <a:rPr lang="en-US" dirty="0"/>
-              <a:t>= a “floating-point” number, aka real number, like 3.85</a:t>
-            </a:r>
-          </a:p>
-          <a:p>
-            <a:pPr lvl="1"/>
-            <a:r>
-              <a:rPr lang="en-US" dirty="0">
-                <a:latin typeface="Consolas" panose="020B0609020204030204" pitchFamily="49" charset="0"/>
-              </a:rPr>
-              <a:t>double </a:t>
-            </a:r>
-            <a:r>
-              <a:rPr lang="en-US" dirty="0"/>
-              <a:t>= also a real number (3.85), but with “double precision”</a:t>
-            </a:r>
-          </a:p>
-          <a:p>
-            <a:pPr lvl="1"/>
-            <a:r>
-              <a:rPr lang="en-US" dirty="0">
-                <a:latin typeface="Consolas" panose="020B0609020204030204" pitchFamily="49" charset="0"/>
-              </a:rPr>
-              <a:t>decimal </a:t>
-            </a:r>
-            <a:r>
-              <a:rPr lang="en-US" dirty="0"/>
-              <a:t>= an </a:t>
-            </a:r>
-            <a:r>
-              <a:rPr lang="en-US"/>
-              <a:t>“exact decimal” </a:t>
-            </a:r>
-            <a:r>
-              <a:rPr lang="en-US" dirty="0"/>
-              <a:t>real number with 28 digits of precision</a:t>
-            </a:r>
-          </a:p>
-        </p:txBody>
-      </p:sp>
-      <p:sp>
-        <p:nvSpPr>
-          <p:cNvPr id="4" name="Footer Placeholder 3">
-            <a:extLst>
-              <a:ext uri="{FF2B5EF4-FFF2-40B4-BE49-F238E27FC236}">
-                <a16:creationId xmlns:a16="http://schemas.microsoft.com/office/drawing/2014/main" id="{3C241903-0583-4C88-9889-B105884A008B}"/>
-              </a:ext>
-            </a:extLst>
-          </p:cNvPr>
-          <p:cNvSpPr>
-            <a:spLocks noGrp="1"/>
-          </p:cNvSpPr>
-          <p:nvPr>
-            <p:ph type="ftr" sz="quarter" idx="11"/>
-          </p:nvPr>
-        </p:nvSpPr>
-        <p:spPr/>
-        <p:txBody>
-          <a:bodyPr/>
-          <a:lstStyle/>
-          <a:p>
-            <a:r>
-              <a:rPr lang="en-US"/>
-              <a:t>CSCI 1301</a:t>
-            </a:r>
-          </a:p>
-        </p:txBody>
-      </p:sp>
-    </p:spTree>
-    <p:extLst>
-      <p:ext uri="{BB962C8B-B14F-4D97-AF65-F5344CB8AC3E}">
-        <p14:creationId xmlns:p14="http://schemas.microsoft.com/office/powerpoint/2010/main" val="106207093"/>
-      </p:ext>
-    </p:extLst>
-  </p:cSld>
-  <p:clrMapOvr>
-    <a:masterClrMapping/>
-  </p:clrMapOvr>
-</p:sld>
-</file>
-
-<file path=ppt/slides/slide7.xml><?xml version="1.0" encoding="utf-8"?>
-<p:sld xmlns:a="http://schemas.openxmlformats.org/drawingml/2006/main" xmlns:r="http://schemas.openxmlformats.org/officeDocument/2006/relationships" xmlns:p="http://schemas.openxmlformats.org/presentationml/2006/main">
-  <p:cSld>
-    <p:spTree>
-      <p:nvGrpSpPr>
-        <p:cNvPr id="1" name=""/>
-        <p:cNvGrpSpPr/>
-        <p:nvPr/>
-      </p:nvGrpSpPr>
-      <p:grpSpPr>
-        <a:xfrm>
-          <a:off x="0" y="0"/>
-          <a:ext cx="0" cy="0"/>
-          <a:chOff x="0" y="0"/>
-          <a:chExt cx="0" cy="0"/>
-        </a:xfrm>
-      </p:grpSpPr>
-      <p:sp>
-        <p:nvSpPr>
           <p:cNvPr id="6" name="Title 5"/>
           <p:cNvSpPr>
             <a:spLocks noGrp="1"/>
@@ -12500,7 +12247,7 @@
 </p:sld>
 </file>
 
-<file path=ppt/slides/slide8.xml><?xml version="1.0" encoding="utf-8"?>
+<file path=ppt/slides/slide7.xml><?xml version="1.0" encoding="utf-8"?>
 <p:sld xmlns:a="http://schemas.openxmlformats.org/drawingml/2006/main" xmlns:r="http://schemas.openxmlformats.org/officeDocument/2006/relationships" xmlns:p="http://schemas.openxmlformats.org/presentationml/2006/main">
   <p:cSld>
     <p:spTree>
@@ -13681,7 +13428,7 @@
 </p:sld>
 </file>
 
-<file path=ppt/slides/slide9.xml><?xml version="1.0" encoding="utf-8"?>
+<file path=ppt/slides/slide8.xml><?xml version="1.0" encoding="utf-8"?>
 <p:sld xmlns:a="http://schemas.openxmlformats.org/drawingml/2006/main" xmlns:r="http://schemas.openxmlformats.org/officeDocument/2006/relationships" xmlns:p="http://schemas.openxmlformats.org/presentationml/2006/main">
   <p:cSld>
     <p:spTree>
@@ -15375,6 +15122,137 @@
       <p:bldP spid="12" grpId="0"/>
     </p:bldLst>
   </p:timing>
+</p:sld>
+</file>
+
+<file path=ppt/slides/slide9.xml><?xml version="1.0" encoding="utf-8"?>
+<p:sld xmlns:a="http://schemas.openxmlformats.org/drawingml/2006/main" xmlns:r="http://schemas.openxmlformats.org/officeDocument/2006/relationships" xmlns:p="http://schemas.openxmlformats.org/presentationml/2006/main">
+  <p:cSld>
+    <p:spTree>
+      <p:nvGrpSpPr>
+        <p:cNvPr id="1" name=""/>
+        <p:cNvGrpSpPr/>
+        <p:nvPr/>
+      </p:nvGrpSpPr>
+      <p:grpSpPr>
+        <a:xfrm>
+          <a:off x="0" y="0"/>
+          <a:ext cx="0" cy="0"/>
+          <a:chOff x="0" y="0"/>
+          <a:chExt cx="0" cy="0"/>
+        </a:xfrm>
+      </p:grpSpPr>
+      <p:sp>
+        <p:nvSpPr>
+          <p:cNvPr id="6" name="Title 5"/>
+          <p:cNvSpPr>
+            <a:spLocks noGrp="1"/>
+          </p:cNvSpPr>
+          <p:nvPr>
+            <p:ph type="title"/>
+          </p:nvPr>
+        </p:nvSpPr>
+        <p:spPr/>
+        <p:txBody>
+          <a:bodyPr/>
+          <a:lstStyle/>
+          <a:p>
+            <a:r>
+              <a:rPr lang="en-US" dirty="0"/>
+              <a:t>Outline</a:t>
+            </a:r>
+          </a:p>
+        </p:txBody>
+      </p:sp>
+      <p:sp>
+        <p:nvSpPr>
+          <p:cNvPr id="7" name="Content Placeholder 6"/>
+          <p:cNvSpPr>
+            <a:spLocks noGrp="1"/>
+          </p:cNvSpPr>
+          <p:nvPr>
+            <p:ph idx="1"/>
+          </p:nvPr>
+        </p:nvSpPr>
+        <p:spPr/>
+        <p:txBody>
+          <a:bodyPr>
+            <a:normAutofit/>
+          </a:bodyPr>
+          <a:lstStyle/>
+          <a:p>
+            <a:r>
+              <a:rPr lang="en-US" dirty="0"/>
+              <a:t>Basic C# Datatypes</a:t>
+            </a:r>
+          </a:p>
+          <a:p>
+            <a:r>
+              <a:rPr lang="en-US" dirty="0"/>
+              <a:t>Literals and Variables</a:t>
+            </a:r>
+          </a:p>
+          <a:p>
+            <a:r>
+              <a:rPr lang="en-US" b="1" dirty="0"/>
+              <a:t>Basic Variable Operations</a:t>
+            </a:r>
+          </a:p>
+          <a:p>
+            <a:pPr lvl="1"/>
+            <a:r>
+              <a:rPr lang="en-US" dirty="0"/>
+              <a:t>Declaration</a:t>
+            </a:r>
+          </a:p>
+          <a:p>
+            <a:pPr lvl="1"/>
+            <a:r>
+              <a:rPr lang="en-US" dirty="0"/>
+              <a:t>Assignment</a:t>
+            </a:r>
+          </a:p>
+          <a:p>
+            <a:pPr lvl="1"/>
+            <a:r>
+              <a:rPr lang="en-US" dirty="0"/>
+              <a:t>Displaying</a:t>
+            </a:r>
+          </a:p>
+        </p:txBody>
+      </p:sp>
+      <p:sp>
+        <p:nvSpPr>
+          <p:cNvPr id="4" name="Footer Placeholder 3"/>
+          <p:cNvSpPr>
+            <a:spLocks noGrp="1"/>
+          </p:cNvSpPr>
+          <p:nvPr>
+            <p:ph type="ftr" sz="quarter" idx="11"/>
+          </p:nvPr>
+        </p:nvSpPr>
+        <p:spPr/>
+        <p:txBody>
+          <a:bodyPr/>
+          <a:lstStyle/>
+          <a:p>
+            <a:r>
+              <a:rPr lang="en-US" dirty="0"/>
+              <a:t>CSCI 1301</a:t>
+            </a:r>
+          </a:p>
+        </p:txBody>
+      </p:sp>
+    </p:spTree>
+    <p:extLst>
+      <p:ext uri="{BB962C8B-B14F-4D97-AF65-F5344CB8AC3E}">
+        <p14:creationId xmlns:p14="http://schemas.microsoft.com/office/powerpoint/2010/main" val="2577889060"/>
+      </p:ext>
+    </p:extLst>
+  </p:cSld>
+  <p:clrMapOvr>
+    <a:masterClrMapping/>
+  </p:clrMapOvr>
 </p:sld>
 </file>
 

--- a/lectures/030_datatypes_and_variables/Datatypes-Variables.pptx
+++ b/lectures/030_datatypes_and_variables/Datatypes-Variables.pptx
@@ -1588,7 +1588,7 @@
           <a:p>
             <a:fld id="{2507D560-C4D4-4804-8CBF-2C56AB6C6DB9}" type="datetimeFigureOut">
               <a:rPr lang="en-US" smtClean="0"/>
-              <a:t>5/25/2021</a:t>
+              <a:t>8/16/2021</a:t>
             </a:fld>
             <a:endParaRPr lang="en-US"/>
           </a:p>
@@ -1753,7 +1753,7 @@
           <a:p>
             <a:fld id="{688E7586-9A7B-41FF-B169-85DADA744493}" type="datetimeFigureOut">
               <a:rPr lang="en-US" smtClean="0"/>
-              <a:t>5/25/2021</a:t>
+              <a:t>8/16/2021</a:t>
             </a:fld>
             <a:endParaRPr lang="en-US"/>
           </a:p>
@@ -5461,8 +5461,8 @@
           </a:p>
           <a:p>
             <a:r>
-              <a:rPr lang="en-US" dirty="0"/>
-              <a:t>Spring </a:t>
+              <a:rPr lang="en-US" smtClean="0"/>
+              <a:t>Spring/Fall </a:t>
             </a:r>
             <a:r>
               <a:rPr lang="en-US" dirty="0" smtClean="0"/>

--- a/lectures/030_datatypes_and_variables/Datatypes-Variables.pptx
+++ b/lectures/030_datatypes_and_variables/Datatypes-Variables.pptx
@@ -5,10 +5,10 @@
     <p:sldMasterId id="2147483732" r:id="rId1"/>
   </p:sldMasterIdLst>
   <p:notesMasterIdLst>
-    <p:notesMasterId r:id="rId18"/>
+    <p:notesMasterId r:id="rId22"/>
   </p:notesMasterIdLst>
   <p:handoutMasterIdLst>
-    <p:handoutMasterId r:id="rId19"/>
+    <p:handoutMasterId r:id="rId23"/>
   </p:handoutMasterIdLst>
   <p:sldIdLst>
     <p:sldId id="256" r:id="rId2"/>
@@ -26,7 +26,11 @@
     <p:sldId id="318" r:id="rId14"/>
     <p:sldId id="319" r:id="rId15"/>
     <p:sldId id="320" r:id="rId16"/>
-    <p:sldId id="321" r:id="rId17"/>
+    <p:sldId id="328" r:id="rId17"/>
+    <p:sldId id="325" r:id="rId18"/>
+    <p:sldId id="326" r:id="rId19"/>
+    <p:sldId id="327" r:id="rId20"/>
+    <p:sldId id="329" r:id="rId21"/>
   </p:sldIdLst>
   <p:sldSz cx="12188825" cy="6858000"/>
   <p:notesSz cx="6858000" cy="9144000"/>
@@ -1588,7 +1592,7 @@
           <a:p>
             <a:fld id="{2507D560-C4D4-4804-8CBF-2C56AB6C6DB9}" type="datetimeFigureOut">
               <a:rPr lang="en-US" smtClean="0"/>
-              <a:t>8/16/2021</a:t>
+              <a:t>8/23/2021</a:t>
             </a:fld>
             <a:endParaRPr lang="en-US"/>
           </a:p>
@@ -1753,7 +1757,7 @@
           <a:p>
             <a:fld id="{688E7586-9A7B-41FF-B169-85DADA744493}" type="datetimeFigureOut">
               <a:rPr lang="en-US" smtClean="0"/>
-              <a:t>8/16/2021</a:t>
+              <a:t>8/23/2021</a:t>
             </a:fld>
             <a:endParaRPr lang="en-US"/>
           </a:p>
@@ -5461,14 +5465,13 @@
           </a:p>
           <a:p>
             <a:r>
-              <a:rPr lang="en-US" smtClean="0"/>
+              <a:rPr lang="en-US"/>
               <a:t>Spring/Fall </a:t>
             </a:r>
             <a:r>
-              <a:rPr lang="en-US" dirty="0" smtClean="0"/>
+              <a:rPr lang="en-US" dirty="0"/>
               <a:t>20XX</a:t>
             </a:r>
-            <a:endParaRPr lang="en-US" dirty="0"/>
           </a:p>
         </p:txBody>
       </p:sp>
@@ -9100,14 +9103,8 @@
           <a:lstStyle/>
           <a:p>
             <a:r>
-              <a:rPr lang="en-US" dirty="0" err="1">
-                <a:latin typeface="Consolas" panose="020B0609020204030204" pitchFamily="49" charset="0"/>
-              </a:rPr>
-              <a:t>Console.WriteLine</a:t>
-            </a:r>
-            <a:r>
-              <a:rPr lang="en-US" dirty="0"/>
-              <a:t> can only print text</a:t>
+              <a:rPr lang="en-US" dirty="0"/>
+              <a:t>The console/terminal can only print text</a:t>
             </a:r>
           </a:p>
           <a:p>
@@ -10339,7 +10336,7 @@
           <a:p>
             <a:r>
               <a:rPr lang="en-US" dirty="0"/>
-              <a:t>That’s All For Today</a:t>
+              <a:t>Outline</a:t>
             </a:r>
           </a:p>
         </p:txBody>
@@ -10399,6 +10396,12 @@
               <a:t>Displaying</a:t>
             </a:r>
           </a:p>
+          <a:p>
+            <a:r>
+              <a:rPr lang="en-US" b="1" dirty="0"/>
+              <a:t>Format Specifiers</a:t>
+            </a:r>
+          </a:p>
         </p:txBody>
       </p:sp>
       <p:sp>
@@ -10426,7 +10429,1586 @@
     </p:spTree>
     <p:extLst>
       <p:ext uri="{BB962C8B-B14F-4D97-AF65-F5344CB8AC3E}">
-        <p14:creationId xmlns:p14="http://schemas.microsoft.com/office/powerpoint/2010/main" val="1281988797"/>
+        <p14:creationId xmlns:p14="http://schemas.microsoft.com/office/powerpoint/2010/main" val="4235023375"/>
+      </p:ext>
+    </p:extLst>
+  </p:cSld>
+  <p:clrMapOvr>
+    <a:masterClrMapping/>
+  </p:clrMapOvr>
+</p:sld>
+</file>
+
+<file path=ppt/slides/slide17.xml><?xml version="1.0" encoding="utf-8"?>
+<p:sld xmlns:a="http://schemas.openxmlformats.org/drawingml/2006/main" xmlns:r="http://schemas.openxmlformats.org/officeDocument/2006/relationships" xmlns:p="http://schemas.openxmlformats.org/presentationml/2006/main">
+  <p:cSld>
+    <p:spTree>
+      <p:nvGrpSpPr>
+        <p:cNvPr id="1" name=""/>
+        <p:cNvGrpSpPr/>
+        <p:nvPr/>
+      </p:nvGrpSpPr>
+      <p:grpSpPr>
+        <a:xfrm>
+          <a:off x="0" y="0"/>
+          <a:ext cx="0" cy="0"/>
+          <a:chOff x="0" y="0"/>
+          <a:chExt cx="0" cy="0"/>
+        </a:xfrm>
+      </p:grpSpPr>
+      <p:sp>
+        <p:nvSpPr>
+          <p:cNvPr id="2" name="Title 1">
+            <a:extLst>
+              <a:ext uri="{FF2B5EF4-FFF2-40B4-BE49-F238E27FC236}">
+                <a16:creationId xmlns:a16="http://schemas.microsoft.com/office/drawing/2014/main" id="{C6B5948E-973F-47AC-9BA2-3D12531D9D6C}"/>
+              </a:ext>
+            </a:extLst>
+          </p:cNvPr>
+          <p:cNvSpPr>
+            <a:spLocks noGrp="1"/>
+          </p:cNvSpPr>
+          <p:nvPr>
+            <p:ph type="title"/>
+          </p:nvPr>
+        </p:nvSpPr>
+        <p:spPr/>
+        <p:txBody>
+          <a:bodyPr>
+            <a:normAutofit/>
+          </a:bodyPr>
+          <a:lstStyle/>
+          <a:p>
+            <a:r>
+              <a:rPr lang="en-US" dirty="0"/>
+              <a:t>Output Formatting</a:t>
+            </a:r>
+          </a:p>
+        </p:txBody>
+      </p:sp>
+      <p:sp>
+        <p:nvSpPr>
+          <p:cNvPr id="3" name="Content Placeholder 2">
+            <a:extLst>
+              <a:ext uri="{FF2B5EF4-FFF2-40B4-BE49-F238E27FC236}">
+                <a16:creationId xmlns:a16="http://schemas.microsoft.com/office/drawing/2014/main" id="{F3D2350E-44C2-40A3-90DF-4FE3E6BA12E4}"/>
+              </a:ext>
+            </a:extLst>
+          </p:cNvPr>
+          <p:cNvSpPr>
+            <a:spLocks noGrp="1"/>
+          </p:cNvSpPr>
+          <p:nvPr>
+            <p:ph idx="1"/>
+          </p:nvPr>
+        </p:nvSpPr>
+        <p:spPr/>
+        <p:txBody>
+          <a:bodyPr/>
+          <a:lstStyle/>
+          <a:p>
+            <a:r>
+              <a:rPr lang="en-US" dirty="0"/>
+              <a:t>Lots of ways to print numbers, especially fractions</a:t>
+            </a:r>
+          </a:p>
+          <a:p>
+            <a:r>
+              <a:rPr lang="en-US" dirty="0"/>
+              <a:t>C#’s default might not be what you want</a:t>
+            </a:r>
+          </a:p>
+        </p:txBody>
+      </p:sp>
+      <p:sp>
+        <p:nvSpPr>
+          <p:cNvPr id="4" name="Footer Placeholder 3">
+            <a:extLst>
+              <a:ext uri="{FF2B5EF4-FFF2-40B4-BE49-F238E27FC236}">
+                <a16:creationId xmlns:a16="http://schemas.microsoft.com/office/drawing/2014/main" id="{D27E1885-BA95-451A-89B4-10F13B623DE9}"/>
+              </a:ext>
+            </a:extLst>
+          </p:cNvPr>
+          <p:cNvSpPr>
+            <a:spLocks noGrp="1"/>
+          </p:cNvSpPr>
+          <p:nvPr>
+            <p:ph type="ftr" sz="quarter" idx="11"/>
+          </p:nvPr>
+        </p:nvSpPr>
+        <p:spPr/>
+        <p:txBody>
+          <a:bodyPr/>
+          <a:lstStyle/>
+          <a:p>
+            <a:r>
+              <a:rPr lang="en-US"/>
+              <a:t>CSCI 1301</a:t>
+            </a:r>
+          </a:p>
+        </p:txBody>
+      </p:sp>
+      <p:sp>
+        <p:nvSpPr>
+          <p:cNvPr id="5" name="TextBox 4">
+            <a:extLst>
+              <a:ext uri="{FF2B5EF4-FFF2-40B4-BE49-F238E27FC236}">
+                <a16:creationId xmlns:a16="http://schemas.microsoft.com/office/drawing/2014/main" id="{C8CCC795-3E0D-4CD4-8704-0BCD0F9293FE}"/>
+              </a:ext>
+            </a:extLst>
+          </p:cNvPr>
+          <p:cNvSpPr txBox="1"/>
+          <p:nvPr/>
+        </p:nvSpPr>
+        <p:spPr>
+          <a:xfrm>
+            <a:off x="2093912" y="2667000"/>
+            <a:ext cx="8001000" cy="1981953"/>
+          </a:xfrm>
+          <a:prstGeom prst="rect">
+            <a:avLst/>
+          </a:prstGeom>
+          <a:solidFill>
+            <a:schemeClr val="bg1">
+              <a:lumMod val="85000"/>
+              <a:lumOff val="15000"/>
+            </a:schemeClr>
+          </a:solidFill>
+        </p:spPr>
+        <p:txBody>
+          <a:bodyPr wrap="square" rtlCol="0">
+            <a:spAutoFit/>
+          </a:bodyPr>
+          <a:lstStyle>
+            <a:defPPr>
+              <a:defRPr lang="en-US"/>
+            </a:defPPr>
+            <a:lvl1pPr>
+              <a:defRPr sz="2200">
+                <a:solidFill>
+                  <a:srgbClr val="0099FF"/>
+                </a:solidFill>
+                <a:latin typeface="Consolas" panose="020B0609020204030204" pitchFamily="49" charset="0"/>
+              </a:defRPr>
+            </a:lvl1pPr>
+          </a:lstStyle>
+          <a:p>
+            <a:pPr>
+              <a:lnSpc>
+                <a:spcPct val="113000"/>
+              </a:lnSpc>
+            </a:pPr>
+            <a:r>
+              <a:rPr lang="en-US" dirty="0"/>
+              <a:t>decimal</a:t>
+            </a:r>
+            <a:r>
+              <a:rPr lang="en-US" dirty="0">
+                <a:solidFill>
+                  <a:schemeClr val="tx1"/>
+                </a:solidFill>
+              </a:rPr>
+              <a:t> price = </a:t>
+            </a:r>
+            <a:r>
+              <a:rPr lang="en-US" dirty="0">
+                <a:solidFill>
+                  <a:srgbClr val="99CC00"/>
+                </a:solidFill>
+              </a:rPr>
+              <a:t>19.99m</a:t>
+            </a:r>
+            <a:r>
+              <a:rPr lang="en-US" dirty="0">
+                <a:solidFill>
+                  <a:schemeClr val="tx1"/>
+                </a:solidFill>
+              </a:rPr>
+              <a:t>;</a:t>
+            </a:r>
+          </a:p>
+          <a:p>
+            <a:pPr>
+              <a:lnSpc>
+                <a:spcPct val="113000"/>
+              </a:lnSpc>
+            </a:pPr>
+            <a:r>
+              <a:rPr lang="en-US" dirty="0"/>
+              <a:t>decimal</a:t>
+            </a:r>
+            <a:r>
+              <a:rPr lang="en-US" dirty="0">
+                <a:solidFill>
+                  <a:schemeClr val="tx1"/>
+                </a:solidFill>
+              </a:rPr>
+              <a:t> discount = </a:t>
+            </a:r>
+            <a:r>
+              <a:rPr lang="en-US" dirty="0">
+                <a:solidFill>
+                  <a:srgbClr val="99CC00"/>
+                </a:solidFill>
+              </a:rPr>
+              <a:t>0.25m</a:t>
+            </a:r>
+            <a:r>
+              <a:rPr lang="en-US" dirty="0">
+                <a:solidFill>
+                  <a:schemeClr val="tx1"/>
+                </a:solidFill>
+              </a:rPr>
+              <a:t>;</a:t>
+            </a:r>
+          </a:p>
+          <a:p>
+            <a:pPr>
+              <a:lnSpc>
+                <a:spcPct val="113000"/>
+              </a:lnSpc>
+            </a:pPr>
+            <a:r>
+              <a:rPr lang="en-US" dirty="0"/>
+              <a:t>decimal</a:t>
+            </a:r>
+            <a:r>
+              <a:rPr lang="en-US" dirty="0">
+                <a:solidFill>
+                  <a:schemeClr val="tx1"/>
+                </a:solidFill>
+              </a:rPr>
+              <a:t> </a:t>
+            </a:r>
+            <a:r>
+              <a:rPr lang="en-US" dirty="0" err="1">
+                <a:solidFill>
+                  <a:schemeClr val="tx1"/>
+                </a:solidFill>
+              </a:rPr>
+              <a:t>salePrice</a:t>
+            </a:r>
+            <a:r>
+              <a:rPr lang="en-US" dirty="0">
+                <a:solidFill>
+                  <a:schemeClr val="tx1"/>
+                </a:solidFill>
+              </a:rPr>
+              <a:t> = price – discount * price;</a:t>
+            </a:r>
+          </a:p>
+          <a:p>
+            <a:pPr>
+              <a:lnSpc>
+                <a:spcPct val="113000"/>
+              </a:lnSpc>
+            </a:pPr>
+            <a:r>
+              <a:rPr lang="en-US" dirty="0" err="1">
+                <a:solidFill>
+                  <a:srgbClr val="66FFCC"/>
+                </a:solidFill>
+              </a:rPr>
+              <a:t>Console</a:t>
+            </a:r>
+            <a:r>
+              <a:rPr lang="en-US" dirty="0" err="1">
+                <a:solidFill>
+                  <a:schemeClr val="tx1"/>
+                </a:solidFill>
+              </a:rPr>
+              <a:t>.</a:t>
+            </a:r>
+            <a:r>
+              <a:rPr lang="en-US" dirty="0" err="1">
+                <a:solidFill>
+                  <a:srgbClr val="CC9900"/>
+                </a:solidFill>
+              </a:rPr>
+              <a:t>WriteLine</a:t>
+            </a:r>
+            <a:r>
+              <a:rPr lang="en-US" dirty="0">
+                <a:solidFill>
+                  <a:schemeClr val="tx1"/>
+                </a:solidFill>
+              </a:rPr>
+              <a:t>(</a:t>
+            </a:r>
+            <a:r>
+              <a:rPr lang="en-US" dirty="0">
+                <a:solidFill>
+                  <a:srgbClr val="FF5050"/>
+                </a:solidFill>
+              </a:rPr>
+              <a:t>$"</a:t>
+            </a:r>
+            <a:r>
+              <a:rPr lang="en-US" dirty="0">
+                <a:solidFill>
+                  <a:srgbClr val="99CCFF"/>
+                </a:solidFill>
+              </a:rPr>
+              <a:t>{price}</a:t>
+            </a:r>
+            <a:r>
+              <a:rPr lang="en-US" dirty="0">
+                <a:solidFill>
+                  <a:srgbClr val="FF5050"/>
+                </a:solidFill>
+              </a:rPr>
+              <a:t> with a discount of " </a:t>
+            </a:r>
+            <a:r>
+              <a:rPr lang="en-US" dirty="0">
+                <a:solidFill>
+                  <a:schemeClr val="tx1"/>
+                </a:solidFill>
+              </a:rPr>
+              <a:t>+</a:t>
+            </a:r>
+          </a:p>
+          <a:p>
+            <a:pPr>
+              <a:lnSpc>
+                <a:spcPct val="113000"/>
+              </a:lnSpc>
+            </a:pPr>
+            <a:r>
+              <a:rPr lang="en-US" dirty="0">
+                <a:solidFill>
+                  <a:srgbClr val="FF5050"/>
+                </a:solidFill>
+              </a:rPr>
+              <a:t>      $"</a:t>
+            </a:r>
+            <a:r>
+              <a:rPr lang="en-US" dirty="0">
+                <a:solidFill>
+                  <a:srgbClr val="99CCFF"/>
+                </a:solidFill>
+              </a:rPr>
+              <a:t>{discount}</a:t>
+            </a:r>
+            <a:r>
+              <a:rPr lang="en-US" dirty="0">
+                <a:solidFill>
+                  <a:srgbClr val="FF5050"/>
+                </a:solidFill>
+              </a:rPr>
+              <a:t> is </a:t>
+            </a:r>
+            <a:r>
+              <a:rPr lang="en-US" dirty="0">
+                <a:solidFill>
+                  <a:srgbClr val="99CCFF"/>
+                </a:solidFill>
+              </a:rPr>
+              <a:t>{</a:t>
+            </a:r>
+            <a:r>
+              <a:rPr lang="en-US" dirty="0" err="1">
+                <a:solidFill>
+                  <a:srgbClr val="99CCFF"/>
+                </a:solidFill>
+              </a:rPr>
+              <a:t>salePrice</a:t>
+            </a:r>
+            <a:r>
+              <a:rPr lang="en-US" dirty="0">
+                <a:solidFill>
+                  <a:srgbClr val="99CCFF"/>
+                </a:solidFill>
+              </a:rPr>
+              <a:t>}</a:t>
+            </a:r>
+            <a:r>
+              <a:rPr lang="en-US" dirty="0">
+                <a:solidFill>
+                  <a:srgbClr val="FF5050"/>
+                </a:solidFill>
+              </a:rPr>
+              <a:t>"</a:t>
+            </a:r>
+            <a:r>
+              <a:rPr lang="en-US" dirty="0">
+                <a:solidFill>
+                  <a:schemeClr val="tx1"/>
+                </a:solidFill>
+              </a:rPr>
+              <a:t>);</a:t>
+            </a:r>
+          </a:p>
+        </p:txBody>
+      </p:sp>
+      <p:sp>
+        <p:nvSpPr>
+          <p:cNvPr id="6" name="Rectangle 5">
+            <a:extLst>
+              <a:ext uri="{FF2B5EF4-FFF2-40B4-BE49-F238E27FC236}">
+                <a16:creationId xmlns:a16="http://schemas.microsoft.com/office/drawing/2014/main" id="{CE672540-8A08-4F72-B36E-7D6295B64349}"/>
+              </a:ext>
+            </a:extLst>
+          </p:cNvPr>
+          <p:cNvSpPr/>
+          <p:nvPr/>
+        </p:nvSpPr>
+        <p:spPr>
+          <a:xfrm>
+            <a:off x="2551112" y="5410953"/>
+            <a:ext cx="7086600" cy="837448"/>
+          </a:xfrm>
+          <a:prstGeom prst="rect">
+            <a:avLst/>
+          </a:prstGeom>
+          <a:solidFill>
+            <a:schemeClr val="bg1">
+              <a:lumMod val="85000"/>
+              <a:lumOff val="15000"/>
+            </a:schemeClr>
+          </a:solidFill>
+          <a:ln>
+            <a:solidFill>
+              <a:schemeClr val="bg1"/>
+            </a:solidFill>
+          </a:ln>
+        </p:spPr>
+        <p:style>
+          <a:lnRef idx="2">
+            <a:schemeClr val="accent1">
+              <a:shade val="50000"/>
+            </a:schemeClr>
+          </a:lnRef>
+          <a:fillRef idx="1">
+            <a:schemeClr val="accent1"/>
+          </a:fillRef>
+          <a:effectRef idx="0">
+            <a:schemeClr val="accent1"/>
+          </a:effectRef>
+          <a:fontRef idx="minor">
+            <a:schemeClr val="lt1"/>
+          </a:fontRef>
+        </p:style>
+        <p:txBody>
+          <a:bodyPr rtlCol="0" anchor="t"/>
+          <a:lstStyle/>
+          <a:p>
+            <a:r>
+              <a:rPr lang="en-US" dirty="0">
+                <a:latin typeface="Consolas" panose="020B0609020204030204" pitchFamily="49" charset="0"/>
+              </a:rPr>
+              <a:t>19.99 with a discount of 0.25 is 14.9925</a:t>
+            </a:r>
+          </a:p>
+        </p:txBody>
+      </p:sp>
+      <p:sp>
+        <p:nvSpPr>
+          <p:cNvPr id="7" name="Arrow: Down 6">
+            <a:extLst>
+              <a:ext uri="{FF2B5EF4-FFF2-40B4-BE49-F238E27FC236}">
+                <a16:creationId xmlns:a16="http://schemas.microsoft.com/office/drawing/2014/main" id="{46A8817B-67A6-45CC-87C5-7A7105140BD0}"/>
+              </a:ext>
+            </a:extLst>
+          </p:cNvPr>
+          <p:cNvSpPr/>
+          <p:nvPr/>
+        </p:nvSpPr>
+        <p:spPr>
+          <a:xfrm>
+            <a:off x="5865812" y="4724400"/>
+            <a:ext cx="457200" cy="533400"/>
+          </a:xfrm>
+          <a:prstGeom prst="downArrow">
+            <a:avLst/>
+          </a:prstGeom>
+        </p:spPr>
+        <p:style>
+          <a:lnRef idx="2">
+            <a:schemeClr val="accent1">
+              <a:shade val="50000"/>
+            </a:schemeClr>
+          </a:lnRef>
+          <a:fillRef idx="1">
+            <a:schemeClr val="accent1"/>
+          </a:fillRef>
+          <a:effectRef idx="0">
+            <a:schemeClr val="accent1"/>
+          </a:effectRef>
+          <a:fontRef idx="minor">
+            <a:schemeClr val="lt1"/>
+          </a:fontRef>
+        </p:style>
+        <p:txBody>
+          <a:bodyPr rtlCol="0" anchor="ctr"/>
+          <a:lstStyle/>
+          <a:p>
+            <a:pPr algn="ctr"/>
+            <a:endParaRPr lang="en-US"/>
+          </a:p>
+        </p:txBody>
+      </p:sp>
+    </p:spTree>
+    <p:extLst>
+      <p:ext uri="{BB962C8B-B14F-4D97-AF65-F5344CB8AC3E}">
+        <p14:creationId xmlns:p14="http://schemas.microsoft.com/office/powerpoint/2010/main" val="571636674"/>
+      </p:ext>
+    </p:extLst>
+  </p:cSld>
+  <p:clrMapOvr>
+    <a:masterClrMapping/>
+  </p:clrMapOvr>
+</p:sld>
+</file>
+
+<file path=ppt/slides/slide18.xml><?xml version="1.0" encoding="utf-8"?>
+<p:sld xmlns:a="http://schemas.openxmlformats.org/drawingml/2006/main" xmlns:r="http://schemas.openxmlformats.org/officeDocument/2006/relationships" xmlns:p="http://schemas.openxmlformats.org/presentationml/2006/main">
+  <p:cSld>
+    <p:spTree>
+      <p:nvGrpSpPr>
+        <p:cNvPr id="1" name=""/>
+        <p:cNvGrpSpPr/>
+        <p:nvPr/>
+      </p:nvGrpSpPr>
+      <p:grpSpPr>
+        <a:xfrm>
+          <a:off x="0" y="0"/>
+          <a:ext cx="0" cy="0"/>
+          <a:chOff x="0" y="0"/>
+          <a:chExt cx="0" cy="0"/>
+        </a:xfrm>
+      </p:grpSpPr>
+      <p:sp>
+        <p:nvSpPr>
+          <p:cNvPr id="2" name="Title 1">
+            <a:extLst>
+              <a:ext uri="{FF2B5EF4-FFF2-40B4-BE49-F238E27FC236}">
+                <a16:creationId xmlns:a16="http://schemas.microsoft.com/office/drawing/2014/main" id="{9F7E6F85-9DF2-4364-B8E8-317EE84BEA9C}"/>
+              </a:ext>
+            </a:extLst>
+          </p:cNvPr>
+          <p:cNvSpPr>
+            <a:spLocks noGrp="1"/>
+          </p:cNvSpPr>
+          <p:nvPr>
+            <p:ph type="title"/>
+          </p:nvPr>
+        </p:nvSpPr>
+        <p:spPr/>
+        <p:txBody>
+          <a:bodyPr/>
+          <a:lstStyle/>
+          <a:p>
+            <a:r>
+              <a:rPr lang="en-US" dirty="0"/>
+              <a:t>Better String Interpolation</a:t>
+            </a:r>
+          </a:p>
+        </p:txBody>
+      </p:sp>
+      <p:sp>
+        <p:nvSpPr>
+          <p:cNvPr id="3" name="Content Placeholder 2">
+            <a:extLst>
+              <a:ext uri="{FF2B5EF4-FFF2-40B4-BE49-F238E27FC236}">
+                <a16:creationId xmlns:a16="http://schemas.microsoft.com/office/drawing/2014/main" id="{43C8D800-7A79-4D4E-8DDF-0AF100FE1968}"/>
+              </a:ext>
+            </a:extLst>
+          </p:cNvPr>
+          <p:cNvSpPr>
+            <a:spLocks noGrp="1"/>
+          </p:cNvSpPr>
+          <p:nvPr>
+            <p:ph idx="1"/>
+          </p:nvPr>
+        </p:nvSpPr>
+        <p:spPr>
+          <a:xfrm>
+            <a:off x="227013" y="1371600"/>
+            <a:ext cx="11734800" cy="1447800"/>
+          </a:xfrm>
+        </p:spPr>
+        <p:txBody>
+          <a:bodyPr/>
+          <a:lstStyle/>
+          <a:p>
+            <a:r>
+              <a:rPr lang="en-US" dirty="0"/>
+              <a:t>Can change how numbers are printed with a </a:t>
+            </a:r>
+            <a:r>
+              <a:rPr lang="en-US" b="1" dirty="0"/>
+              <a:t>format specifier</a:t>
+            </a:r>
+            <a:endParaRPr lang="en-US" dirty="0"/>
+          </a:p>
+          <a:p>
+            <a:r>
+              <a:rPr lang="en-US" dirty="0"/>
+              <a:t>Goes inside braces, after a colon:  </a:t>
+            </a:r>
+            <a:r>
+              <a:rPr lang="en-US" dirty="0">
+                <a:latin typeface="Consolas" panose="020B0609020204030204" pitchFamily="49" charset="0"/>
+              </a:rPr>
+              <a:t>{</a:t>
+            </a:r>
+            <a:r>
+              <a:rPr lang="en-US" dirty="0" err="1">
+                <a:latin typeface="Consolas" panose="020B0609020204030204" pitchFamily="49" charset="0"/>
+              </a:rPr>
+              <a:t>numVar:N</a:t>
+            </a:r>
+            <a:r>
+              <a:rPr lang="en-US" dirty="0">
+                <a:latin typeface="Consolas" panose="020B0609020204030204" pitchFamily="49" charset="0"/>
+              </a:rPr>
+              <a:t>}</a:t>
+            </a:r>
+          </a:p>
+        </p:txBody>
+      </p:sp>
+      <p:sp>
+        <p:nvSpPr>
+          <p:cNvPr id="4" name="Footer Placeholder 3">
+            <a:extLst>
+              <a:ext uri="{FF2B5EF4-FFF2-40B4-BE49-F238E27FC236}">
+                <a16:creationId xmlns:a16="http://schemas.microsoft.com/office/drawing/2014/main" id="{004C6809-8D0D-4B9E-BAAC-CC19D5C07AAE}"/>
+              </a:ext>
+            </a:extLst>
+          </p:cNvPr>
+          <p:cNvSpPr>
+            <a:spLocks noGrp="1"/>
+          </p:cNvSpPr>
+          <p:nvPr>
+            <p:ph type="ftr" sz="quarter" idx="11"/>
+          </p:nvPr>
+        </p:nvSpPr>
+        <p:spPr/>
+        <p:txBody>
+          <a:bodyPr/>
+          <a:lstStyle/>
+          <a:p>
+            <a:r>
+              <a:rPr lang="en-US"/>
+              <a:t>CSCI 1301</a:t>
+            </a:r>
+          </a:p>
+        </p:txBody>
+      </p:sp>
+      <p:sp>
+        <p:nvSpPr>
+          <p:cNvPr id="13" name="TextBox 12">
+            <a:extLst>
+              <a:ext uri="{FF2B5EF4-FFF2-40B4-BE49-F238E27FC236}">
+                <a16:creationId xmlns:a16="http://schemas.microsoft.com/office/drawing/2014/main" id="{CBA31970-60B7-4CA7-803C-7DE3DE165E67}"/>
+              </a:ext>
+            </a:extLst>
+          </p:cNvPr>
+          <p:cNvSpPr txBox="1"/>
+          <p:nvPr/>
+        </p:nvSpPr>
+        <p:spPr>
+          <a:xfrm>
+            <a:off x="4993240" y="2479229"/>
+            <a:ext cx="2042547" cy="461665"/>
+          </a:xfrm>
+          <a:prstGeom prst="rect">
+            <a:avLst/>
+          </a:prstGeom>
+          <a:noFill/>
+        </p:spPr>
+        <p:txBody>
+          <a:bodyPr wrap="none" rtlCol="0">
+            <a:spAutoFit/>
+          </a:bodyPr>
+          <a:lstStyle/>
+          <a:p>
+            <a:r>
+              <a:rPr lang="en-US" dirty="0"/>
+              <a:t>Numeric value</a:t>
+            </a:r>
+          </a:p>
+        </p:txBody>
+      </p:sp>
+      <p:cxnSp>
+        <p:nvCxnSpPr>
+          <p:cNvPr id="6" name="Straight Arrow Connector 5">
+            <a:extLst>
+              <a:ext uri="{FF2B5EF4-FFF2-40B4-BE49-F238E27FC236}">
+                <a16:creationId xmlns:a16="http://schemas.microsoft.com/office/drawing/2014/main" id="{A3C8DA4B-1079-468C-93CD-B2C2B0D08FD0}"/>
+              </a:ext>
+            </a:extLst>
+          </p:cNvPr>
+          <p:cNvCxnSpPr>
+            <a:cxnSpLocks/>
+            <a:stCxn id="15" idx="1"/>
+          </p:cNvCxnSpPr>
+          <p:nvPr/>
+        </p:nvCxnSpPr>
+        <p:spPr>
+          <a:xfrm flipH="1" flipV="1">
+            <a:off x="8532812" y="2469715"/>
+            <a:ext cx="348344" cy="240346"/>
+          </a:xfrm>
+          <a:prstGeom prst="straightConnector1">
+            <a:avLst/>
+          </a:prstGeom>
+          <a:ln>
+            <a:tailEnd type="triangle"/>
+          </a:ln>
+        </p:spPr>
+        <p:style>
+          <a:lnRef idx="2">
+            <a:schemeClr val="accent6"/>
+          </a:lnRef>
+          <a:fillRef idx="0">
+            <a:schemeClr val="accent6"/>
+          </a:fillRef>
+          <a:effectRef idx="1">
+            <a:schemeClr val="accent6"/>
+          </a:effectRef>
+          <a:fontRef idx="minor">
+            <a:schemeClr val="tx1"/>
+          </a:fontRef>
+        </p:style>
+      </p:cxnSp>
+      <p:cxnSp>
+        <p:nvCxnSpPr>
+          <p:cNvPr id="11" name="Straight Arrow Connector 10">
+            <a:extLst>
+              <a:ext uri="{FF2B5EF4-FFF2-40B4-BE49-F238E27FC236}">
+                <a16:creationId xmlns:a16="http://schemas.microsoft.com/office/drawing/2014/main" id="{EA21C708-73E9-4C81-9CE8-CC96189B77AC}"/>
+              </a:ext>
+            </a:extLst>
+          </p:cNvPr>
+          <p:cNvCxnSpPr>
+            <a:cxnSpLocks/>
+            <a:stCxn id="13" idx="3"/>
+          </p:cNvCxnSpPr>
+          <p:nvPr/>
+        </p:nvCxnSpPr>
+        <p:spPr>
+          <a:xfrm flipV="1">
+            <a:off x="7035787" y="2469716"/>
+            <a:ext cx="427585" cy="240346"/>
+          </a:xfrm>
+          <a:prstGeom prst="straightConnector1">
+            <a:avLst/>
+          </a:prstGeom>
+          <a:ln>
+            <a:tailEnd type="triangle"/>
+          </a:ln>
+        </p:spPr>
+        <p:style>
+          <a:lnRef idx="2">
+            <a:schemeClr val="accent6"/>
+          </a:lnRef>
+          <a:fillRef idx="0">
+            <a:schemeClr val="accent6"/>
+          </a:fillRef>
+          <a:effectRef idx="1">
+            <a:schemeClr val="accent6"/>
+          </a:effectRef>
+          <a:fontRef idx="minor">
+            <a:schemeClr val="tx1"/>
+          </a:fontRef>
+        </p:style>
+      </p:cxnSp>
+      <p:sp>
+        <p:nvSpPr>
+          <p:cNvPr id="15" name="TextBox 14">
+            <a:extLst>
+              <a:ext uri="{FF2B5EF4-FFF2-40B4-BE49-F238E27FC236}">
+                <a16:creationId xmlns:a16="http://schemas.microsoft.com/office/drawing/2014/main" id="{C2853E27-3660-4260-8327-1F6F76553820}"/>
+              </a:ext>
+            </a:extLst>
+          </p:cNvPr>
+          <p:cNvSpPr txBox="1"/>
+          <p:nvPr/>
+        </p:nvSpPr>
+        <p:spPr>
+          <a:xfrm>
+            <a:off x="8881156" y="2479228"/>
+            <a:ext cx="2300630" cy="461665"/>
+          </a:xfrm>
+          <a:prstGeom prst="rect">
+            <a:avLst/>
+          </a:prstGeom>
+          <a:noFill/>
+        </p:spPr>
+        <p:txBody>
+          <a:bodyPr wrap="none" rtlCol="0">
+            <a:spAutoFit/>
+          </a:bodyPr>
+          <a:lstStyle/>
+          <a:p>
+            <a:r>
+              <a:rPr lang="en-US" dirty="0"/>
+              <a:t>Format specifier</a:t>
+            </a:r>
+          </a:p>
+        </p:txBody>
+      </p:sp>
+      <p:graphicFrame>
+        <p:nvGraphicFramePr>
+          <p:cNvPr id="19" name="Table 19">
+            <a:extLst>
+              <a:ext uri="{FF2B5EF4-FFF2-40B4-BE49-F238E27FC236}">
+                <a16:creationId xmlns:a16="http://schemas.microsoft.com/office/drawing/2014/main" id="{7E1E3CBF-B529-4592-ADC6-19D16E0D69D8}"/>
+              </a:ext>
+            </a:extLst>
+          </p:cNvPr>
+          <p:cNvGraphicFramePr>
+            <a:graphicFrameLocks noGrp="1"/>
+          </p:cNvGraphicFramePr>
+          <p:nvPr/>
+        </p:nvGraphicFramePr>
+        <p:xfrm>
+          <a:off x="1293812" y="2982646"/>
+          <a:ext cx="9144000" cy="3167400"/>
+        </p:xfrm>
+        <a:graphic>
+          <a:graphicData uri="http://schemas.openxmlformats.org/drawingml/2006/table">
+            <a:tbl>
+              <a:tblPr firstRow="1" bandRow="1">
+                <a:tableStyleId>{5C22544A-7EE6-4342-B048-85BDC9FD1C3A}</a:tableStyleId>
+              </a:tblPr>
+              <a:tblGrid>
+                <a:gridCol w="2362200">
+                  <a:extLst>
+                    <a:ext uri="{9D8B030D-6E8A-4147-A177-3AD203B41FA5}">
+                      <a16:colId xmlns:a16="http://schemas.microsoft.com/office/drawing/2014/main" val="3058478530"/>
+                    </a:ext>
+                  </a:extLst>
+                </a:gridCol>
+                <a:gridCol w="6781800">
+                  <a:extLst>
+                    <a:ext uri="{9D8B030D-6E8A-4147-A177-3AD203B41FA5}">
+                      <a16:colId xmlns:a16="http://schemas.microsoft.com/office/drawing/2014/main" val="2316850972"/>
+                    </a:ext>
+                  </a:extLst>
+                </a:gridCol>
+              </a:tblGrid>
+              <a:tr h="507160">
+                <a:tc>
+                  <a:txBody>
+                    <a:bodyPr/>
+                    <a:lstStyle/>
+                    <a:p>
+                      <a:r>
+                        <a:rPr lang="en-US" dirty="0"/>
+                        <a:t>Format specifier</a:t>
+                      </a:r>
+                    </a:p>
+                  </a:txBody>
+                  <a:tcPr/>
+                </a:tc>
+                <a:tc>
+                  <a:txBody>
+                    <a:bodyPr/>
+                    <a:lstStyle/>
+                    <a:p>
+                      <a:r>
+                        <a:rPr lang="en-US" dirty="0"/>
+                        <a:t>Description</a:t>
+                      </a:r>
+                    </a:p>
+                  </a:txBody>
+                  <a:tcPr/>
+                </a:tc>
+                <a:extLst>
+                  <a:ext uri="{0D108BD9-81ED-4DB2-BD59-A6C34878D82A}">
+                    <a16:rowId xmlns:a16="http://schemas.microsoft.com/office/drawing/2014/main" val="3297501512"/>
+                  </a:ext>
+                </a:extLst>
+              </a:tr>
+              <a:tr h="507160">
+                <a:tc>
+                  <a:txBody>
+                    <a:bodyPr/>
+                    <a:lstStyle/>
+                    <a:p>
+                      <a:r>
+                        <a:rPr lang="en-US" dirty="0"/>
+                        <a:t>N or n</a:t>
+                      </a:r>
+                    </a:p>
+                  </a:txBody>
+                  <a:tcPr/>
+                </a:tc>
+                <a:tc>
+                  <a:txBody>
+                    <a:bodyPr/>
+                    <a:lstStyle/>
+                    <a:p>
+                      <a:r>
+                        <a:rPr lang="en-US" dirty="0"/>
+                        <a:t>Adds a thousands separator, displays 2 decimal places (by default)</a:t>
+                      </a:r>
+                    </a:p>
+                  </a:txBody>
+                  <a:tcPr/>
+                </a:tc>
+                <a:extLst>
+                  <a:ext uri="{0D108BD9-81ED-4DB2-BD59-A6C34878D82A}">
+                    <a16:rowId xmlns:a16="http://schemas.microsoft.com/office/drawing/2014/main" val="4284607616"/>
+                  </a:ext>
+                </a:extLst>
+              </a:tr>
+              <a:tr h="507160">
+                <a:tc>
+                  <a:txBody>
+                    <a:bodyPr/>
+                    <a:lstStyle/>
+                    <a:p>
+                      <a:r>
+                        <a:rPr lang="en-US" dirty="0"/>
+                        <a:t>E or e</a:t>
+                      </a:r>
+                    </a:p>
+                  </a:txBody>
+                  <a:tcPr/>
+                </a:tc>
+                <a:tc>
+                  <a:txBody>
+                    <a:bodyPr/>
+                    <a:lstStyle/>
+                    <a:p>
+                      <a:r>
+                        <a:rPr lang="en-US" dirty="0"/>
+                        <a:t>Uses scientific notation, displays 6 decimal places</a:t>
+                      </a:r>
+                    </a:p>
+                  </a:txBody>
+                  <a:tcPr/>
+                </a:tc>
+                <a:extLst>
+                  <a:ext uri="{0D108BD9-81ED-4DB2-BD59-A6C34878D82A}">
+                    <a16:rowId xmlns:a16="http://schemas.microsoft.com/office/drawing/2014/main" val="682164890"/>
+                  </a:ext>
+                </a:extLst>
+              </a:tr>
+              <a:tr h="507160">
+                <a:tc>
+                  <a:txBody>
+                    <a:bodyPr/>
+                    <a:lstStyle/>
+                    <a:p>
+                      <a:r>
+                        <a:rPr lang="en-US" dirty="0"/>
+                        <a:t>C or c</a:t>
+                      </a:r>
+                    </a:p>
+                  </a:txBody>
+                  <a:tcPr/>
+                </a:tc>
+                <a:tc>
+                  <a:txBody>
+                    <a:bodyPr/>
+                    <a:lstStyle/>
+                    <a:p>
+                      <a:r>
+                        <a:rPr lang="en-US" dirty="0"/>
+                        <a:t>Formats as currency: Adds a currency symbol, adds thousands separator, displays 2 decimal places</a:t>
+                      </a:r>
+                    </a:p>
+                  </a:txBody>
+                  <a:tcPr/>
+                </a:tc>
+                <a:extLst>
+                  <a:ext uri="{0D108BD9-81ED-4DB2-BD59-A6C34878D82A}">
+                    <a16:rowId xmlns:a16="http://schemas.microsoft.com/office/drawing/2014/main" val="1887232300"/>
+                  </a:ext>
+                </a:extLst>
+              </a:tr>
+              <a:tr h="507160">
+                <a:tc>
+                  <a:txBody>
+                    <a:bodyPr/>
+                    <a:lstStyle/>
+                    <a:p>
+                      <a:r>
+                        <a:rPr lang="en-US" dirty="0"/>
+                        <a:t>P or p</a:t>
+                      </a:r>
+                    </a:p>
+                  </a:txBody>
+                  <a:tcPr/>
+                </a:tc>
+                <a:tc>
+                  <a:txBody>
+                    <a:bodyPr/>
+                    <a:lstStyle/>
+                    <a:p>
+                      <a:r>
+                        <a:rPr lang="en-US" dirty="0"/>
+                        <a:t>Formats as percentage with 2 decimal places</a:t>
+                      </a:r>
+                    </a:p>
+                  </a:txBody>
+                  <a:tcPr/>
+                </a:tc>
+                <a:extLst>
+                  <a:ext uri="{0D108BD9-81ED-4DB2-BD59-A6C34878D82A}">
+                    <a16:rowId xmlns:a16="http://schemas.microsoft.com/office/drawing/2014/main" val="2305914161"/>
+                  </a:ext>
+                </a:extLst>
+              </a:tr>
+            </a:tbl>
+          </a:graphicData>
+        </a:graphic>
+      </p:graphicFrame>
+    </p:spTree>
+    <p:extLst>
+      <p:ext uri="{BB962C8B-B14F-4D97-AF65-F5344CB8AC3E}">
+        <p14:creationId xmlns:p14="http://schemas.microsoft.com/office/powerpoint/2010/main" val="4148294812"/>
+      </p:ext>
+    </p:extLst>
+  </p:cSld>
+  <p:clrMapOvr>
+    <a:masterClrMapping/>
+  </p:clrMapOvr>
+</p:sld>
+</file>
+
+<file path=ppt/slides/slide19.xml><?xml version="1.0" encoding="utf-8"?>
+<p:sld xmlns:a="http://schemas.openxmlformats.org/drawingml/2006/main" xmlns:r="http://schemas.openxmlformats.org/officeDocument/2006/relationships" xmlns:p="http://schemas.openxmlformats.org/presentationml/2006/main">
+  <p:cSld>
+    <p:spTree>
+      <p:nvGrpSpPr>
+        <p:cNvPr id="1" name=""/>
+        <p:cNvGrpSpPr/>
+        <p:nvPr/>
+      </p:nvGrpSpPr>
+      <p:grpSpPr>
+        <a:xfrm>
+          <a:off x="0" y="0"/>
+          <a:ext cx="0" cy="0"/>
+          <a:chOff x="0" y="0"/>
+          <a:chExt cx="0" cy="0"/>
+        </a:xfrm>
+      </p:grpSpPr>
+      <p:sp>
+        <p:nvSpPr>
+          <p:cNvPr id="2" name="Title 1">
+            <a:extLst>
+              <a:ext uri="{FF2B5EF4-FFF2-40B4-BE49-F238E27FC236}">
+                <a16:creationId xmlns:a16="http://schemas.microsoft.com/office/drawing/2014/main" id="{C4D0A112-D9F4-4484-B430-4543368BC4F4}"/>
+              </a:ext>
+            </a:extLst>
+          </p:cNvPr>
+          <p:cNvSpPr>
+            <a:spLocks noGrp="1"/>
+          </p:cNvSpPr>
+          <p:nvPr>
+            <p:ph type="title"/>
+          </p:nvPr>
+        </p:nvSpPr>
+        <p:spPr/>
+        <p:txBody>
+          <a:bodyPr/>
+          <a:lstStyle/>
+          <a:p>
+            <a:r>
+              <a:rPr lang="en-US" dirty="0"/>
+              <a:t>Format Specifier Example</a:t>
+            </a:r>
+          </a:p>
+        </p:txBody>
+      </p:sp>
+      <p:sp>
+        <p:nvSpPr>
+          <p:cNvPr id="3" name="Content Placeholder 2">
+            <a:extLst>
+              <a:ext uri="{FF2B5EF4-FFF2-40B4-BE49-F238E27FC236}">
+                <a16:creationId xmlns:a16="http://schemas.microsoft.com/office/drawing/2014/main" id="{A8EE9B6A-78A7-4540-8E18-B9F20A4B49FC}"/>
+              </a:ext>
+            </a:extLst>
+          </p:cNvPr>
+          <p:cNvSpPr>
+            <a:spLocks noGrp="1"/>
+          </p:cNvSpPr>
+          <p:nvPr>
+            <p:ph idx="1"/>
+          </p:nvPr>
+        </p:nvSpPr>
+        <p:spPr/>
+        <p:txBody>
+          <a:bodyPr/>
+          <a:lstStyle/>
+          <a:p>
+            <a:r>
+              <a:rPr lang="en-US" dirty="0"/>
+              <a:t>Returning to the sale price:</a:t>
+            </a:r>
+          </a:p>
+        </p:txBody>
+      </p:sp>
+      <p:sp>
+        <p:nvSpPr>
+          <p:cNvPr id="4" name="Footer Placeholder 3">
+            <a:extLst>
+              <a:ext uri="{FF2B5EF4-FFF2-40B4-BE49-F238E27FC236}">
+                <a16:creationId xmlns:a16="http://schemas.microsoft.com/office/drawing/2014/main" id="{987D1221-1575-42DF-A5EE-63011D85F1B0}"/>
+              </a:ext>
+            </a:extLst>
+          </p:cNvPr>
+          <p:cNvSpPr>
+            <a:spLocks noGrp="1"/>
+          </p:cNvSpPr>
+          <p:nvPr>
+            <p:ph type="ftr" sz="quarter" idx="11"/>
+          </p:nvPr>
+        </p:nvSpPr>
+        <p:spPr/>
+        <p:txBody>
+          <a:bodyPr/>
+          <a:lstStyle/>
+          <a:p>
+            <a:r>
+              <a:rPr lang="en-US"/>
+              <a:t>CSCI 1301</a:t>
+            </a:r>
+          </a:p>
+        </p:txBody>
+      </p:sp>
+      <p:sp>
+        <p:nvSpPr>
+          <p:cNvPr id="5" name="TextBox 4">
+            <a:extLst>
+              <a:ext uri="{FF2B5EF4-FFF2-40B4-BE49-F238E27FC236}">
+                <a16:creationId xmlns:a16="http://schemas.microsoft.com/office/drawing/2014/main" id="{0249A65A-9264-4E59-AEC6-1102A4075C77}"/>
+              </a:ext>
+            </a:extLst>
+          </p:cNvPr>
+          <p:cNvSpPr txBox="1"/>
+          <p:nvPr/>
+        </p:nvSpPr>
+        <p:spPr>
+          <a:xfrm>
+            <a:off x="2093912" y="2362200"/>
+            <a:ext cx="8191500" cy="1981953"/>
+          </a:xfrm>
+          <a:prstGeom prst="rect">
+            <a:avLst/>
+          </a:prstGeom>
+          <a:solidFill>
+            <a:schemeClr val="bg1">
+              <a:lumMod val="85000"/>
+              <a:lumOff val="15000"/>
+            </a:schemeClr>
+          </a:solidFill>
+        </p:spPr>
+        <p:txBody>
+          <a:bodyPr wrap="square" rtlCol="0">
+            <a:spAutoFit/>
+          </a:bodyPr>
+          <a:lstStyle>
+            <a:defPPr>
+              <a:defRPr lang="en-US"/>
+            </a:defPPr>
+            <a:lvl1pPr>
+              <a:defRPr sz="2200">
+                <a:solidFill>
+                  <a:srgbClr val="0099FF"/>
+                </a:solidFill>
+                <a:latin typeface="Consolas" panose="020B0609020204030204" pitchFamily="49" charset="0"/>
+              </a:defRPr>
+            </a:lvl1pPr>
+          </a:lstStyle>
+          <a:p>
+            <a:pPr>
+              <a:lnSpc>
+                <a:spcPct val="113000"/>
+              </a:lnSpc>
+            </a:pPr>
+            <a:r>
+              <a:rPr lang="en-US" dirty="0"/>
+              <a:t>decimal</a:t>
+            </a:r>
+            <a:r>
+              <a:rPr lang="en-US" dirty="0">
+                <a:solidFill>
+                  <a:schemeClr val="tx1"/>
+                </a:solidFill>
+              </a:rPr>
+              <a:t> price = </a:t>
+            </a:r>
+            <a:r>
+              <a:rPr lang="en-US" dirty="0">
+                <a:solidFill>
+                  <a:srgbClr val="99CC00"/>
+                </a:solidFill>
+              </a:rPr>
+              <a:t>19.99m</a:t>
+            </a:r>
+            <a:r>
+              <a:rPr lang="en-US" dirty="0">
+                <a:solidFill>
+                  <a:schemeClr val="tx1"/>
+                </a:solidFill>
+              </a:rPr>
+              <a:t>;</a:t>
+            </a:r>
+          </a:p>
+          <a:p>
+            <a:pPr>
+              <a:lnSpc>
+                <a:spcPct val="113000"/>
+              </a:lnSpc>
+            </a:pPr>
+            <a:r>
+              <a:rPr lang="en-US" dirty="0"/>
+              <a:t>decimal</a:t>
+            </a:r>
+            <a:r>
+              <a:rPr lang="en-US" dirty="0">
+                <a:solidFill>
+                  <a:schemeClr val="tx1"/>
+                </a:solidFill>
+              </a:rPr>
+              <a:t> discount = </a:t>
+            </a:r>
+            <a:r>
+              <a:rPr lang="en-US" dirty="0">
+                <a:solidFill>
+                  <a:srgbClr val="99CC00"/>
+                </a:solidFill>
+              </a:rPr>
+              <a:t>0.25m</a:t>
+            </a:r>
+            <a:r>
+              <a:rPr lang="en-US" dirty="0">
+                <a:solidFill>
+                  <a:schemeClr val="tx1"/>
+                </a:solidFill>
+              </a:rPr>
+              <a:t>;</a:t>
+            </a:r>
+          </a:p>
+          <a:p>
+            <a:pPr>
+              <a:lnSpc>
+                <a:spcPct val="113000"/>
+              </a:lnSpc>
+            </a:pPr>
+            <a:r>
+              <a:rPr lang="en-US" dirty="0"/>
+              <a:t>decimal</a:t>
+            </a:r>
+            <a:r>
+              <a:rPr lang="en-US" dirty="0">
+                <a:solidFill>
+                  <a:schemeClr val="tx1"/>
+                </a:solidFill>
+              </a:rPr>
+              <a:t> </a:t>
+            </a:r>
+            <a:r>
+              <a:rPr lang="en-US" dirty="0" err="1">
+                <a:solidFill>
+                  <a:schemeClr val="tx1"/>
+                </a:solidFill>
+              </a:rPr>
+              <a:t>salePrice</a:t>
+            </a:r>
+            <a:r>
+              <a:rPr lang="en-US" dirty="0">
+                <a:solidFill>
+                  <a:schemeClr val="tx1"/>
+                </a:solidFill>
+              </a:rPr>
+              <a:t> = price – discount * price;</a:t>
+            </a:r>
+          </a:p>
+          <a:p>
+            <a:pPr>
+              <a:lnSpc>
+                <a:spcPct val="113000"/>
+              </a:lnSpc>
+            </a:pPr>
+            <a:r>
+              <a:rPr lang="en-US" dirty="0" err="1">
+                <a:solidFill>
+                  <a:srgbClr val="66FFCC"/>
+                </a:solidFill>
+              </a:rPr>
+              <a:t>Console</a:t>
+            </a:r>
+            <a:r>
+              <a:rPr lang="en-US" dirty="0" err="1">
+                <a:solidFill>
+                  <a:schemeClr val="tx1"/>
+                </a:solidFill>
+              </a:rPr>
+              <a:t>.</a:t>
+            </a:r>
+            <a:r>
+              <a:rPr lang="en-US" dirty="0" err="1">
+                <a:solidFill>
+                  <a:srgbClr val="CC9900"/>
+                </a:solidFill>
+              </a:rPr>
+              <a:t>WriteLine</a:t>
+            </a:r>
+            <a:r>
+              <a:rPr lang="en-US" dirty="0">
+                <a:solidFill>
+                  <a:schemeClr val="tx1"/>
+                </a:solidFill>
+              </a:rPr>
+              <a:t>(</a:t>
+            </a:r>
+            <a:r>
+              <a:rPr lang="en-US" dirty="0">
+                <a:solidFill>
+                  <a:srgbClr val="FF5050"/>
+                </a:solidFill>
+              </a:rPr>
+              <a:t>$"</a:t>
+            </a:r>
+            <a:r>
+              <a:rPr lang="en-US" dirty="0">
+                <a:solidFill>
+                  <a:srgbClr val="99CCFF"/>
+                </a:solidFill>
+              </a:rPr>
+              <a:t>{</a:t>
+            </a:r>
+            <a:r>
+              <a:rPr lang="en-US" dirty="0" err="1">
+                <a:solidFill>
+                  <a:srgbClr val="99CCFF"/>
+                </a:solidFill>
+              </a:rPr>
+              <a:t>price:C</a:t>
+            </a:r>
+            <a:r>
+              <a:rPr lang="en-US" dirty="0">
+                <a:solidFill>
+                  <a:srgbClr val="99CCFF"/>
+                </a:solidFill>
+              </a:rPr>
+              <a:t>}</a:t>
+            </a:r>
+            <a:r>
+              <a:rPr lang="en-US" dirty="0">
+                <a:solidFill>
+                  <a:srgbClr val="FF5050"/>
+                </a:solidFill>
+              </a:rPr>
+              <a:t> with a discount of " </a:t>
+            </a:r>
+            <a:r>
+              <a:rPr lang="en-US" dirty="0">
+                <a:solidFill>
+                  <a:schemeClr val="tx1"/>
+                </a:solidFill>
+              </a:rPr>
+              <a:t>+</a:t>
+            </a:r>
+          </a:p>
+          <a:p>
+            <a:pPr>
+              <a:lnSpc>
+                <a:spcPct val="113000"/>
+              </a:lnSpc>
+            </a:pPr>
+            <a:r>
+              <a:rPr lang="en-US" dirty="0">
+                <a:solidFill>
+                  <a:srgbClr val="FF5050"/>
+                </a:solidFill>
+              </a:rPr>
+              <a:t>      $"</a:t>
+            </a:r>
+            <a:r>
+              <a:rPr lang="en-US" dirty="0">
+                <a:solidFill>
+                  <a:srgbClr val="99CCFF"/>
+                </a:solidFill>
+              </a:rPr>
+              <a:t>{</a:t>
+            </a:r>
+            <a:r>
+              <a:rPr lang="en-US" dirty="0" err="1">
+                <a:solidFill>
+                  <a:srgbClr val="99CCFF"/>
+                </a:solidFill>
+              </a:rPr>
+              <a:t>discount:P</a:t>
+            </a:r>
+            <a:r>
+              <a:rPr lang="en-US" dirty="0">
+                <a:solidFill>
+                  <a:srgbClr val="99CCFF"/>
+                </a:solidFill>
+              </a:rPr>
+              <a:t>}</a:t>
+            </a:r>
+            <a:r>
+              <a:rPr lang="en-US" dirty="0">
+                <a:solidFill>
+                  <a:srgbClr val="FF5050"/>
+                </a:solidFill>
+              </a:rPr>
+              <a:t> is </a:t>
+            </a:r>
+            <a:r>
+              <a:rPr lang="en-US" dirty="0">
+                <a:solidFill>
+                  <a:srgbClr val="99CCFF"/>
+                </a:solidFill>
+              </a:rPr>
+              <a:t>{</a:t>
+            </a:r>
+            <a:r>
+              <a:rPr lang="en-US" dirty="0" err="1">
+                <a:solidFill>
+                  <a:srgbClr val="99CCFF"/>
+                </a:solidFill>
+              </a:rPr>
+              <a:t>salePrice:C</a:t>
+            </a:r>
+            <a:r>
+              <a:rPr lang="en-US" dirty="0">
+                <a:solidFill>
+                  <a:srgbClr val="99CCFF"/>
+                </a:solidFill>
+              </a:rPr>
+              <a:t>}</a:t>
+            </a:r>
+            <a:r>
+              <a:rPr lang="en-US" dirty="0">
+                <a:solidFill>
+                  <a:srgbClr val="FF5050"/>
+                </a:solidFill>
+              </a:rPr>
+              <a:t>"</a:t>
+            </a:r>
+            <a:r>
+              <a:rPr lang="en-US" dirty="0">
+                <a:solidFill>
+                  <a:schemeClr val="tx1"/>
+                </a:solidFill>
+              </a:rPr>
+              <a:t>);</a:t>
+            </a:r>
+          </a:p>
+        </p:txBody>
+      </p:sp>
+      <p:sp>
+        <p:nvSpPr>
+          <p:cNvPr id="6" name="Rectangle 5">
+            <a:extLst>
+              <a:ext uri="{FF2B5EF4-FFF2-40B4-BE49-F238E27FC236}">
+                <a16:creationId xmlns:a16="http://schemas.microsoft.com/office/drawing/2014/main" id="{6F2B5CE6-EE31-4229-95EA-5999CB034178}"/>
+              </a:ext>
+            </a:extLst>
+          </p:cNvPr>
+          <p:cNvSpPr/>
+          <p:nvPr/>
+        </p:nvSpPr>
+        <p:spPr>
+          <a:xfrm>
+            <a:off x="2417762" y="5099010"/>
+            <a:ext cx="7353300" cy="837448"/>
+          </a:xfrm>
+          <a:prstGeom prst="rect">
+            <a:avLst/>
+          </a:prstGeom>
+          <a:solidFill>
+            <a:schemeClr val="bg1">
+              <a:lumMod val="85000"/>
+              <a:lumOff val="15000"/>
+            </a:schemeClr>
+          </a:solidFill>
+          <a:ln>
+            <a:solidFill>
+              <a:schemeClr val="bg1"/>
+            </a:solidFill>
+          </a:ln>
+        </p:spPr>
+        <p:style>
+          <a:lnRef idx="2">
+            <a:schemeClr val="accent1">
+              <a:shade val="50000"/>
+            </a:schemeClr>
+          </a:lnRef>
+          <a:fillRef idx="1">
+            <a:schemeClr val="accent1"/>
+          </a:fillRef>
+          <a:effectRef idx="0">
+            <a:schemeClr val="accent1"/>
+          </a:effectRef>
+          <a:fontRef idx="minor">
+            <a:schemeClr val="lt1"/>
+          </a:fontRef>
+        </p:style>
+        <p:txBody>
+          <a:bodyPr rtlCol="0" anchor="t"/>
+          <a:lstStyle/>
+          <a:p>
+            <a:r>
+              <a:rPr lang="en-US" dirty="0">
+                <a:latin typeface="Consolas" panose="020B0609020204030204" pitchFamily="49" charset="0"/>
+              </a:rPr>
+              <a:t>$19.99 with a discount of 25.00% is $14.99</a:t>
+            </a:r>
+          </a:p>
+        </p:txBody>
+      </p:sp>
+      <p:sp>
+        <p:nvSpPr>
+          <p:cNvPr id="7" name="Arrow: Down 6">
+            <a:extLst>
+              <a:ext uri="{FF2B5EF4-FFF2-40B4-BE49-F238E27FC236}">
+                <a16:creationId xmlns:a16="http://schemas.microsoft.com/office/drawing/2014/main" id="{5F393069-E7F5-4F53-9B8B-8BB74B947F87}"/>
+              </a:ext>
+            </a:extLst>
+          </p:cNvPr>
+          <p:cNvSpPr/>
+          <p:nvPr/>
+        </p:nvSpPr>
+        <p:spPr>
+          <a:xfrm>
+            <a:off x="5865812" y="4419600"/>
+            <a:ext cx="457200" cy="533400"/>
+          </a:xfrm>
+          <a:prstGeom prst="downArrow">
+            <a:avLst/>
+          </a:prstGeom>
+        </p:spPr>
+        <p:style>
+          <a:lnRef idx="2">
+            <a:schemeClr val="accent1">
+              <a:shade val="50000"/>
+            </a:schemeClr>
+          </a:lnRef>
+          <a:fillRef idx="1">
+            <a:schemeClr val="accent1"/>
+          </a:fillRef>
+          <a:effectRef idx="0">
+            <a:schemeClr val="accent1"/>
+          </a:effectRef>
+          <a:fontRef idx="minor">
+            <a:schemeClr val="lt1"/>
+          </a:fontRef>
+        </p:style>
+        <p:txBody>
+          <a:bodyPr rtlCol="0" anchor="ctr"/>
+          <a:lstStyle/>
+          <a:p>
+            <a:pPr algn="ctr"/>
+            <a:endParaRPr lang="en-US"/>
+          </a:p>
+        </p:txBody>
+      </p:sp>
+    </p:spTree>
+    <p:extLst>
+      <p:ext uri="{BB962C8B-B14F-4D97-AF65-F5344CB8AC3E}">
+        <p14:creationId xmlns:p14="http://schemas.microsoft.com/office/powerpoint/2010/main" val="3604931116"/>
       </p:ext>
     </p:extLst>
   </p:cSld>
@@ -10530,6 +12112,12 @@
               <a:t>Displaying</a:t>
             </a:r>
           </a:p>
+          <a:p>
+            <a:r>
+              <a:rPr lang="en-US" dirty="0"/>
+              <a:t>Format Specifiers</a:t>
+            </a:r>
+          </a:p>
         </p:txBody>
       </p:sp>
       <p:sp>
@@ -10558,6 +12146,1004 @@
     <p:extLst>
       <p:ext uri="{BB962C8B-B14F-4D97-AF65-F5344CB8AC3E}">
         <p14:creationId xmlns:p14="http://schemas.microsoft.com/office/powerpoint/2010/main" val="2425262121"/>
+      </p:ext>
+    </p:extLst>
+  </p:cSld>
+  <p:clrMapOvr>
+    <a:masterClrMapping/>
+  </p:clrMapOvr>
+</p:sld>
+</file>
+
+<file path=ppt/slides/slide20.xml><?xml version="1.0" encoding="utf-8"?>
+<p:sld xmlns:a="http://schemas.openxmlformats.org/drawingml/2006/main" xmlns:r="http://schemas.openxmlformats.org/officeDocument/2006/relationships" xmlns:p="http://schemas.openxmlformats.org/presentationml/2006/main">
+  <p:cSld>
+    <p:spTree>
+      <p:nvGrpSpPr>
+        <p:cNvPr id="1" name=""/>
+        <p:cNvGrpSpPr/>
+        <p:nvPr/>
+      </p:nvGrpSpPr>
+      <p:grpSpPr>
+        <a:xfrm>
+          <a:off x="0" y="0"/>
+          <a:ext cx="0" cy="0"/>
+          <a:chOff x="0" y="0"/>
+          <a:chExt cx="0" cy="0"/>
+        </a:xfrm>
+      </p:grpSpPr>
+      <p:sp>
+        <p:nvSpPr>
+          <p:cNvPr id="2" name="Title 1">
+            <a:extLst>
+              <a:ext uri="{FF2B5EF4-FFF2-40B4-BE49-F238E27FC236}">
+                <a16:creationId xmlns:a16="http://schemas.microsoft.com/office/drawing/2014/main" id="{ED547ACC-F6FE-4822-A4DD-E4400A6B8D57}"/>
+              </a:ext>
+            </a:extLst>
+          </p:cNvPr>
+          <p:cNvSpPr>
+            <a:spLocks noGrp="1"/>
+          </p:cNvSpPr>
+          <p:nvPr>
+            <p:ph type="title"/>
+          </p:nvPr>
+        </p:nvSpPr>
+        <p:spPr/>
+        <p:txBody>
+          <a:bodyPr/>
+          <a:lstStyle/>
+          <a:p>
+            <a:r>
+              <a:rPr lang="en-US" dirty="0"/>
+              <a:t>Formats with Rounding</a:t>
+            </a:r>
+          </a:p>
+        </p:txBody>
+      </p:sp>
+      <p:sp>
+        <p:nvSpPr>
+          <p:cNvPr id="3" name="Content Placeholder 2">
+            <a:extLst>
+              <a:ext uri="{FF2B5EF4-FFF2-40B4-BE49-F238E27FC236}">
+                <a16:creationId xmlns:a16="http://schemas.microsoft.com/office/drawing/2014/main" id="{457F27E5-F19C-4F76-A351-E6A0814A70E0}"/>
+              </a:ext>
+            </a:extLst>
+          </p:cNvPr>
+          <p:cNvSpPr>
+            <a:spLocks noGrp="1"/>
+          </p:cNvSpPr>
+          <p:nvPr>
+            <p:ph idx="1"/>
+          </p:nvPr>
+        </p:nvSpPr>
+        <p:spPr/>
+        <p:txBody>
+          <a:bodyPr/>
+          <a:lstStyle/>
+          <a:p>
+            <a:r>
+              <a:rPr lang="en-US" dirty="0"/>
+              <a:t>For each format, can change the number of decimal places by adding </a:t>
+            </a:r>
+            <a:r>
+              <a:rPr lang="en-US" b="1" dirty="0"/>
+              <a:t>precision specifier</a:t>
+            </a:r>
+            <a:r>
+              <a:rPr lang="en-US" dirty="0"/>
+              <a:t>: </a:t>
+            </a:r>
+            <a:r>
+              <a:rPr lang="en-US" dirty="0">
+                <a:latin typeface="Consolas" panose="020B0609020204030204" pitchFamily="49" charset="0"/>
+              </a:rPr>
+              <a:t>{numVar:N3}</a:t>
+            </a:r>
+          </a:p>
+        </p:txBody>
+      </p:sp>
+      <p:sp>
+        <p:nvSpPr>
+          <p:cNvPr id="4" name="Footer Placeholder 3">
+            <a:extLst>
+              <a:ext uri="{FF2B5EF4-FFF2-40B4-BE49-F238E27FC236}">
+                <a16:creationId xmlns:a16="http://schemas.microsoft.com/office/drawing/2014/main" id="{32761632-AE58-4A08-A45D-35A26EAECA44}"/>
+              </a:ext>
+            </a:extLst>
+          </p:cNvPr>
+          <p:cNvSpPr>
+            <a:spLocks noGrp="1"/>
+          </p:cNvSpPr>
+          <p:nvPr>
+            <p:ph type="ftr" sz="quarter" idx="11"/>
+          </p:nvPr>
+        </p:nvSpPr>
+        <p:spPr/>
+        <p:txBody>
+          <a:bodyPr/>
+          <a:lstStyle/>
+          <a:p>
+            <a:r>
+              <a:rPr lang="en-US"/>
+              <a:t>CSCI 1301</a:t>
+            </a:r>
+          </a:p>
+        </p:txBody>
+      </p:sp>
+      <p:sp>
+        <p:nvSpPr>
+          <p:cNvPr id="5" name="TextBox 4">
+            <a:extLst>
+              <a:ext uri="{FF2B5EF4-FFF2-40B4-BE49-F238E27FC236}">
+                <a16:creationId xmlns:a16="http://schemas.microsoft.com/office/drawing/2014/main" id="{280E5D7D-9E30-42F2-9DD7-6C02622E8057}"/>
+              </a:ext>
+            </a:extLst>
+          </p:cNvPr>
+          <p:cNvSpPr txBox="1"/>
+          <p:nvPr/>
+        </p:nvSpPr>
+        <p:spPr>
+          <a:xfrm>
+            <a:off x="3786863" y="2514600"/>
+            <a:ext cx="2042547" cy="461665"/>
+          </a:xfrm>
+          <a:prstGeom prst="rect">
+            <a:avLst/>
+          </a:prstGeom>
+          <a:noFill/>
+        </p:spPr>
+        <p:txBody>
+          <a:bodyPr wrap="none" rtlCol="0">
+            <a:spAutoFit/>
+          </a:bodyPr>
+          <a:lstStyle/>
+          <a:p>
+            <a:r>
+              <a:rPr lang="en-US" dirty="0"/>
+              <a:t>Numeric value</a:t>
+            </a:r>
+          </a:p>
+        </p:txBody>
+      </p:sp>
+      <p:cxnSp>
+        <p:nvCxnSpPr>
+          <p:cNvPr id="6" name="Straight Arrow Connector 5">
+            <a:extLst>
+              <a:ext uri="{FF2B5EF4-FFF2-40B4-BE49-F238E27FC236}">
+                <a16:creationId xmlns:a16="http://schemas.microsoft.com/office/drawing/2014/main" id="{7782A64A-B0FA-4904-AC94-B5E4F98851EA}"/>
+              </a:ext>
+            </a:extLst>
+          </p:cNvPr>
+          <p:cNvCxnSpPr>
+            <a:cxnSpLocks/>
+          </p:cNvCxnSpPr>
+          <p:nvPr/>
+        </p:nvCxnSpPr>
+        <p:spPr>
+          <a:xfrm flipV="1">
+            <a:off x="7084642" y="2340544"/>
+            <a:ext cx="246402" cy="352343"/>
+          </a:xfrm>
+          <a:prstGeom prst="straightConnector1">
+            <a:avLst/>
+          </a:prstGeom>
+          <a:ln>
+            <a:tailEnd type="triangle"/>
+          </a:ln>
+        </p:spPr>
+        <p:style>
+          <a:lnRef idx="2">
+            <a:schemeClr val="accent6"/>
+          </a:lnRef>
+          <a:fillRef idx="0">
+            <a:schemeClr val="accent6"/>
+          </a:fillRef>
+          <a:effectRef idx="1">
+            <a:schemeClr val="accent6"/>
+          </a:effectRef>
+          <a:fontRef idx="minor">
+            <a:schemeClr val="tx1"/>
+          </a:fontRef>
+        </p:style>
+      </p:cxnSp>
+      <p:cxnSp>
+        <p:nvCxnSpPr>
+          <p:cNvPr id="7" name="Straight Arrow Connector 6">
+            <a:extLst>
+              <a:ext uri="{FF2B5EF4-FFF2-40B4-BE49-F238E27FC236}">
+                <a16:creationId xmlns:a16="http://schemas.microsoft.com/office/drawing/2014/main" id="{EA268FB2-0ECB-493D-847B-BA5333DD94A1}"/>
+              </a:ext>
+            </a:extLst>
+          </p:cNvPr>
+          <p:cNvCxnSpPr>
+            <a:cxnSpLocks/>
+          </p:cNvCxnSpPr>
+          <p:nvPr/>
+        </p:nvCxnSpPr>
+        <p:spPr>
+          <a:xfrm flipV="1">
+            <a:off x="5780208" y="2365119"/>
+            <a:ext cx="372202" cy="321430"/>
+          </a:xfrm>
+          <a:prstGeom prst="straightConnector1">
+            <a:avLst/>
+          </a:prstGeom>
+          <a:ln>
+            <a:tailEnd type="triangle"/>
+          </a:ln>
+        </p:spPr>
+        <p:style>
+          <a:lnRef idx="2">
+            <a:schemeClr val="accent6"/>
+          </a:lnRef>
+          <a:fillRef idx="0">
+            <a:schemeClr val="accent6"/>
+          </a:fillRef>
+          <a:effectRef idx="1">
+            <a:schemeClr val="accent6"/>
+          </a:effectRef>
+          <a:fontRef idx="minor">
+            <a:schemeClr val="tx1"/>
+          </a:fontRef>
+        </p:style>
+      </p:cxnSp>
+      <p:sp>
+        <p:nvSpPr>
+          <p:cNvPr id="8" name="TextBox 7">
+            <a:extLst>
+              <a:ext uri="{FF2B5EF4-FFF2-40B4-BE49-F238E27FC236}">
+                <a16:creationId xmlns:a16="http://schemas.microsoft.com/office/drawing/2014/main" id="{CA59EB15-80CC-4C5E-9756-6C07E7FA4406}"/>
+              </a:ext>
+            </a:extLst>
+          </p:cNvPr>
+          <p:cNvSpPr txBox="1"/>
+          <p:nvPr/>
+        </p:nvSpPr>
+        <p:spPr>
+          <a:xfrm>
+            <a:off x="6408617" y="2585877"/>
+            <a:ext cx="1352049" cy="830997"/>
+          </a:xfrm>
+          <a:prstGeom prst="rect">
+            <a:avLst/>
+          </a:prstGeom>
+          <a:noFill/>
+        </p:spPr>
+        <p:txBody>
+          <a:bodyPr wrap="square" rtlCol="0">
+            <a:spAutoFit/>
+          </a:bodyPr>
+          <a:lstStyle/>
+          <a:p>
+            <a:r>
+              <a:rPr lang="en-US" dirty="0"/>
+              <a:t>Format specifier</a:t>
+            </a:r>
+          </a:p>
+        </p:txBody>
+      </p:sp>
+      <p:cxnSp>
+        <p:nvCxnSpPr>
+          <p:cNvPr id="11" name="Straight Arrow Connector 10">
+            <a:extLst>
+              <a:ext uri="{FF2B5EF4-FFF2-40B4-BE49-F238E27FC236}">
+                <a16:creationId xmlns:a16="http://schemas.microsoft.com/office/drawing/2014/main" id="{3DA39751-64E5-472B-A1EE-78EE3394FA9F}"/>
+              </a:ext>
+            </a:extLst>
+          </p:cNvPr>
+          <p:cNvCxnSpPr>
+            <a:cxnSpLocks/>
+          </p:cNvCxnSpPr>
+          <p:nvPr/>
+        </p:nvCxnSpPr>
+        <p:spPr>
+          <a:xfrm flipH="1" flipV="1">
+            <a:off x="7587251" y="2365119"/>
+            <a:ext cx="398118" cy="321430"/>
+          </a:xfrm>
+          <a:prstGeom prst="straightConnector1">
+            <a:avLst/>
+          </a:prstGeom>
+          <a:ln>
+            <a:tailEnd type="triangle"/>
+          </a:ln>
+        </p:spPr>
+        <p:style>
+          <a:lnRef idx="2">
+            <a:schemeClr val="accent6"/>
+          </a:lnRef>
+          <a:fillRef idx="0">
+            <a:schemeClr val="accent6"/>
+          </a:fillRef>
+          <a:effectRef idx="1">
+            <a:schemeClr val="accent6"/>
+          </a:effectRef>
+          <a:fontRef idx="minor">
+            <a:schemeClr val="tx1"/>
+          </a:fontRef>
+        </p:style>
+      </p:cxnSp>
+      <p:sp>
+        <p:nvSpPr>
+          <p:cNvPr id="12" name="TextBox 11">
+            <a:extLst>
+              <a:ext uri="{FF2B5EF4-FFF2-40B4-BE49-F238E27FC236}">
+                <a16:creationId xmlns:a16="http://schemas.microsoft.com/office/drawing/2014/main" id="{0EDAFE06-763E-45B1-A373-3431B1A2DAE0}"/>
+              </a:ext>
+            </a:extLst>
+          </p:cNvPr>
+          <p:cNvSpPr txBox="1"/>
+          <p:nvPr/>
+        </p:nvSpPr>
+        <p:spPr>
+          <a:xfrm>
+            <a:off x="7999412" y="2539711"/>
+            <a:ext cx="2534668" cy="461665"/>
+          </a:xfrm>
+          <a:prstGeom prst="rect">
+            <a:avLst/>
+          </a:prstGeom>
+          <a:noFill/>
+        </p:spPr>
+        <p:txBody>
+          <a:bodyPr wrap="none" rtlCol="0">
+            <a:spAutoFit/>
+          </a:bodyPr>
+          <a:lstStyle/>
+          <a:p>
+            <a:r>
+              <a:rPr lang="en-US" dirty="0"/>
+              <a:t>Precision specifier</a:t>
+            </a:r>
+          </a:p>
+        </p:txBody>
+      </p:sp>
+      <p:sp>
+        <p:nvSpPr>
+          <p:cNvPr id="16" name="TextBox 15">
+            <a:extLst>
+              <a:ext uri="{FF2B5EF4-FFF2-40B4-BE49-F238E27FC236}">
+                <a16:creationId xmlns:a16="http://schemas.microsoft.com/office/drawing/2014/main" id="{A3981F49-57CB-42C8-959E-ED67203810E4}"/>
+              </a:ext>
+            </a:extLst>
+          </p:cNvPr>
+          <p:cNvSpPr txBox="1"/>
+          <p:nvPr/>
+        </p:nvSpPr>
+        <p:spPr>
+          <a:xfrm>
+            <a:off x="899367" y="3439173"/>
+            <a:ext cx="6022707" cy="2747034"/>
+          </a:xfrm>
+          <a:prstGeom prst="rect">
+            <a:avLst/>
+          </a:prstGeom>
+          <a:solidFill>
+            <a:schemeClr val="bg1">
+              <a:lumMod val="85000"/>
+              <a:lumOff val="15000"/>
+            </a:schemeClr>
+          </a:solidFill>
+        </p:spPr>
+        <p:txBody>
+          <a:bodyPr wrap="square" rtlCol="0">
+            <a:spAutoFit/>
+          </a:bodyPr>
+          <a:lstStyle>
+            <a:defPPr>
+              <a:defRPr lang="en-US"/>
+            </a:defPPr>
+            <a:lvl1pPr>
+              <a:defRPr sz="2200">
+                <a:solidFill>
+                  <a:srgbClr val="0099FF"/>
+                </a:solidFill>
+                <a:latin typeface="Consolas" panose="020B0609020204030204" pitchFamily="49" charset="0"/>
+              </a:defRPr>
+            </a:lvl1pPr>
+          </a:lstStyle>
+          <a:p>
+            <a:pPr>
+              <a:lnSpc>
+                <a:spcPct val="113000"/>
+              </a:lnSpc>
+            </a:pPr>
+            <a:r>
+              <a:rPr lang="en-US" dirty="0"/>
+              <a:t>double</a:t>
+            </a:r>
+            <a:r>
+              <a:rPr lang="en-US" dirty="0">
+                <a:solidFill>
+                  <a:schemeClr val="tx1"/>
+                </a:solidFill>
+              </a:rPr>
+              <a:t> </a:t>
+            </a:r>
+            <a:r>
+              <a:rPr lang="en-US" dirty="0" err="1">
+                <a:solidFill>
+                  <a:schemeClr val="tx1"/>
+                </a:solidFill>
+              </a:rPr>
+              <a:t>bigNumber</a:t>
+            </a:r>
+            <a:r>
+              <a:rPr lang="en-US" dirty="0">
+                <a:solidFill>
+                  <a:schemeClr val="tx1"/>
+                </a:solidFill>
+              </a:rPr>
+              <a:t> = </a:t>
+            </a:r>
+            <a:r>
+              <a:rPr lang="en-US" dirty="0">
+                <a:solidFill>
+                  <a:srgbClr val="99CC00"/>
+                </a:solidFill>
+              </a:rPr>
+              <a:t>1537963.666</a:t>
+            </a:r>
+            <a:r>
+              <a:rPr lang="en-US" dirty="0">
+                <a:solidFill>
+                  <a:schemeClr val="tx1"/>
+                </a:solidFill>
+              </a:rPr>
+              <a:t>;</a:t>
+            </a:r>
+          </a:p>
+          <a:p>
+            <a:pPr>
+              <a:lnSpc>
+                <a:spcPct val="113000"/>
+              </a:lnSpc>
+            </a:pPr>
+            <a:r>
+              <a:rPr lang="en-US" dirty="0"/>
+              <a:t>decimal</a:t>
+            </a:r>
+            <a:r>
+              <a:rPr lang="en-US" dirty="0">
+                <a:solidFill>
+                  <a:schemeClr val="tx1"/>
+                </a:solidFill>
+              </a:rPr>
+              <a:t> discount = </a:t>
+            </a:r>
+            <a:r>
+              <a:rPr lang="en-US" dirty="0">
+                <a:solidFill>
+                  <a:srgbClr val="99CC00"/>
+                </a:solidFill>
+              </a:rPr>
+              <a:t>0.1337m</a:t>
+            </a:r>
+            <a:r>
+              <a:rPr lang="en-US" dirty="0">
+                <a:solidFill>
+                  <a:schemeClr val="tx1"/>
+                </a:solidFill>
+              </a:rPr>
+              <a:t>;</a:t>
+            </a:r>
+          </a:p>
+          <a:p>
+            <a:pPr>
+              <a:lnSpc>
+                <a:spcPct val="113000"/>
+              </a:lnSpc>
+            </a:pPr>
+            <a:r>
+              <a:rPr lang="en-US" dirty="0" err="1">
+                <a:solidFill>
+                  <a:srgbClr val="66FFCC"/>
+                </a:solidFill>
+              </a:rPr>
+              <a:t>Console</a:t>
+            </a:r>
+            <a:r>
+              <a:rPr lang="en-US" dirty="0" err="1">
+                <a:solidFill>
+                  <a:schemeClr val="tx1"/>
+                </a:solidFill>
+              </a:rPr>
+              <a:t>.</a:t>
+            </a:r>
+            <a:r>
+              <a:rPr lang="en-US" dirty="0" err="1">
+                <a:solidFill>
+                  <a:srgbClr val="CC9900"/>
+                </a:solidFill>
+              </a:rPr>
+              <a:t>WriteLine</a:t>
+            </a:r>
+            <a:r>
+              <a:rPr lang="en-US" dirty="0">
+                <a:solidFill>
+                  <a:schemeClr val="tx1"/>
+                </a:solidFill>
+              </a:rPr>
+              <a:t>(</a:t>
+            </a:r>
+            <a:r>
+              <a:rPr lang="en-US" dirty="0">
+                <a:solidFill>
+                  <a:srgbClr val="FF5050"/>
+                </a:solidFill>
+              </a:rPr>
+              <a:t>$"</a:t>
+            </a:r>
+            <a:r>
+              <a:rPr lang="en-US" dirty="0">
+                <a:solidFill>
+                  <a:srgbClr val="99CCFF"/>
+                </a:solidFill>
+              </a:rPr>
+              <a:t>{</a:t>
+            </a:r>
+            <a:r>
+              <a:rPr lang="en-US" dirty="0" err="1">
+                <a:solidFill>
+                  <a:srgbClr val="99CCFF"/>
+                </a:solidFill>
+              </a:rPr>
+              <a:t>bigNumber:N</a:t>
+            </a:r>
+            <a:r>
+              <a:rPr lang="en-US" dirty="0">
+                <a:solidFill>
+                  <a:srgbClr val="99CCFF"/>
+                </a:solidFill>
+              </a:rPr>
+              <a:t>}</a:t>
+            </a:r>
+            <a:r>
+              <a:rPr lang="en-US" dirty="0">
+                <a:solidFill>
+                  <a:srgbClr val="FF5050"/>
+                </a:solidFill>
+              </a:rPr>
+              <a:t>"</a:t>
+            </a:r>
+            <a:r>
+              <a:rPr lang="en-US" dirty="0">
+                <a:solidFill>
+                  <a:schemeClr val="tx1"/>
+                </a:solidFill>
+              </a:rPr>
+              <a:t>);</a:t>
+            </a:r>
+          </a:p>
+          <a:p>
+            <a:pPr>
+              <a:lnSpc>
+                <a:spcPct val="113000"/>
+              </a:lnSpc>
+            </a:pPr>
+            <a:r>
+              <a:rPr lang="en-US" dirty="0" err="1">
+                <a:solidFill>
+                  <a:srgbClr val="66FFCC"/>
+                </a:solidFill>
+              </a:rPr>
+              <a:t>Console</a:t>
+            </a:r>
+            <a:r>
+              <a:rPr lang="en-US" dirty="0" err="1">
+                <a:solidFill>
+                  <a:schemeClr val="tx1"/>
+                </a:solidFill>
+              </a:rPr>
+              <a:t>.</a:t>
+            </a:r>
+            <a:r>
+              <a:rPr lang="en-US" dirty="0" err="1">
+                <a:solidFill>
+                  <a:srgbClr val="CC9900"/>
+                </a:solidFill>
+              </a:rPr>
+              <a:t>WriteLine</a:t>
+            </a:r>
+            <a:r>
+              <a:rPr lang="en-US" dirty="0">
+                <a:solidFill>
+                  <a:schemeClr val="tx1"/>
+                </a:solidFill>
+              </a:rPr>
+              <a:t>(</a:t>
+            </a:r>
+            <a:r>
+              <a:rPr lang="en-US" dirty="0">
+                <a:solidFill>
+                  <a:srgbClr val="FF5050"/>
+                </a:solidFill>
+              </a:rPr>
+              <a:t>$"</a:t>
+            </a:r>
+            <a:r>
+              <a:rPr lang="en-US" dirty="0">
+                <a:solidFill>
+                  <a:srgbClr val="99CCFF"/>
+                </a:solidFill>
+              </a:rPr>
+              <a:t>{bigNumber:N3}</a:t>
+            </a:r>
+            <a:r>
+              <a:rPr lang="en-US" dirty="0">
+                <a:solidFill>
+                  <a:srgbClr val="FF5050"/>
+                </a:solidFill>
+              </a:rPr>
+              <a:t>"</a:t>
+            </a:r>
+            <a:r>
+              <a:rPr lang="en-US" dirty="0">
+                <a:solidFill>
+                  <a:schemeClr val="tx1"/>
+                </a:solidFill>
+              </a:rPr>
+              <a:t>);</a:t>
+            </a:r>
+          </a:p>
+          <a:p>
+            <a:pPr>
+              <a:lnSpc>
+                <a:spcPct val="113000"/>
+              </a:lnSpc>
+            </a:pPr>
+            <a:r>
+              <a:rPr lang="en-US" dirty="0" err="1">
+                <a:solidFill>
+                  <a:srgbClr val="66FFCC"/>
+                </a:solidFill>
+              </a:rPr>
+              <a:t>Console</a:t>
+            </a:r>
+            <a:r>
+              <a:rPr lang="en-US" dirty="0" err="1">
+                <a:solidFill>
+                  <a:schemeClr val="tx1"/>
+                </a:solidFill>
+              </a:rPr>
+              <a:t>.</a:t>
+            </a:r>
+            <a:r>
+              <a:rPr lang="en-US" dirty="0" err="1">
+                <a:solidFill>
+                  <a:srgbClr val="CC9900"/>
+                </a:solidFill>
+              </a:rPr>
+              <a:t>WriteLine</a:t>
+            </a:r>
+            <a:r>
+              <a:rPr lang="en-US" dirty="0">
+                <a:solidFill>
+                  <a:schemeClr val="tx1"/>
+                </a:solidFill>
+              </a:rPr>
+              <a:t>(</a:t>
+            </a:r>
+            <a:r>
+              <a:rPr lang="en-US" dirty="0">
+                <a:solidFill>
+                  <a:srgbClr val="FF5050"/>
+                </a:solidFill>
+              </a:rPr>
+              <a:t>$"</a:t>
+            </a:r>
+            <a:r>
+              <a:rPr lang="en-US" dirty="0">
+                <a:solidFill>
+                  <a:srgbClr val="99CCFF"/>
+                </a:solidFill>
+              </a:rPr>
+              <a:t>{bigNumber:N1}</a:t>
+            </a:r>
+            <a:r>
+              <a:rPr lang="en-US" dirty="0">
+                <a:solidFill>
+                  <a:srgbClr val="FF5050"/>
+                </a:solidFill>
+              </a:rPr>
+              <a:t>"</a:t>
+            </a:r>
+            <a:r>
+              <a:rPr lang="en-US" dirty="0">
+                <a:solidFill>
+                  <a:schemeClr val="tx1"/>
+                </a:solidFill>
+              </a:rPr>
+              <a:t>);</a:t>
+            </a:r>
+          </a:p>
+          <a:p>
+            <a:pPr>
+              <a:lnSpc>
+                <a:spcPct val="113000"/>
+              </a:lnSpc>
+            </a:pPr>
+            <a:r>
+              <a:rPr lang="en-US" dirty="0" err="1">
+                <a:solidFill>
+                  <a:srgbClr val="66FFCC"/>
+                </a:solidFill>
+              </a:rPr>
+              <a:t>Console</a:t>
+            </a:r>
+            <a:r>
+              <a:rPr lang="en-US" dirty="0" err="1">
+                <a:solidFill>
+                  <a:schemeClr val="tx1"/>
+                </a:solidFill>
+              </a:rPr>
+              <a:t>.</a:t>
+            </a:r>
+            <a:r>
+              <a:rPr lang="en-US" dirty="0" err="1">
+                <a:solidFill>
+                  <a:srgbClr val="CC9900"/>
+                </a:solidFill>
+              </a:rPr>
+              <a:t>WriteLine</a:t>
+            </a:r>
+            <a:r>
+              <a:rPr lang="en-US" dirty="0">
+                <a:solidFill>
+                  <a:schemeClr val="tx1"/>
+                </a:solidFill>
+              </a:rPr>
+              <a:t>(</a:t>
+            </a:r>
+            <a:r>
+              <a:rPr lang="en-US" dirty="0">
+                <a:solidFill>
+                  <a:srgbClr val="FF5050"/>
+                </a:solidFill>
+              </a:rPr>
+              <a:t>$"</a:t>
+            </a:r>
+            <a:r>
+              <a:rPr lang="en-US" dirty="0">
+                <a:solidFill>
+                  <a:srgbClr val="99CCFF"/>
+                </a:solidFill>
+              </a:rPr>
+              <a:t>{discount:P1}</a:t>
+            </a:r>
+            <a:r>
+              <a:rPr lang="en-US" dirty="0">
+                <a:solidFill>
+                  <a:srgbClr val="FF5050"/>
+                </a:solidFill>
+              </a:rPr>
+              <a:t>"</a:t>
+            </a:r>
+            <a:r>
+              <a:rPr lang="en-US" dirty="0">
+                <a:solidFill>
+                  <a:schemeClr val="tx1"/>
+                </a:solidFill>
+              </a:rPr>
+              <a:t>);</a:t>
+            </a:r>
+          </a:p>
+          <a:p>
+            <a:pPr>
+              <a:lnSpc>
+                <a:spcPct val="113000"/>
+              </a:lnSpc>
+            </a:pPr>
+            <a:r>
+              <a:rPr lang="en-US" dirty="0" err="1">
+                <a:solidFill>
+                  <a:srgbClr val="66FFCC"/>
+                </a:solidFill>
+              </a:rPr>
+              <a:t>Console</a:t>
+            </a:r>
+            <a:r>
+              <a:rPr lang="en-US" dirty="0" err="1">
+                <a:solidFill>
+                  <a:schemeClr val="tx1"/>
+                </a:solidFill>
+              </a:rPr>
+              <a:t>.</a:t>
+            </a:r>
+            <a:r>
+              <a:rPr lang="en-US" dirty="0" err="1">
+                <a:solidFill>
+                  <a:srgbClr val="CC9900"/>
+                </a:solidFill>
+              </a:rPr>
+              <a:t>WriteLine</a:t>
+            </a:r>
+            <a:r>
+              <a:rPr lang="en-US" dirty="0">
+                <a:solidFill>
+                  <a:schemeClr val="tx1"/>
+                </a:solidFill>
+              </a:rPr>
+              <a:t>(</a:t>
+            </a:r>
+            <a:r>
+              <a:rPr lang="en-US" dirty="0">
+                <a:solidFill>
+                  <a:srgbClr val="FF5050"/>
+                </a:solidFill>
+              </a:rPr>
+              <a:t>$"</a:t>
+            </a:r>
+            <a:r>
+              <a:rPr lang="en-US" dirty="0">
+                <a:solidFill>
+                  <a:srgbClr val="99CCFF"/>
+                </a:solidFill>
+              </a:rPr>
+              <a:t>{discount:P4}</a:t>
+            </a:r>
+            <a:r>
+              <a:rPr lang="en-US" dirty="0">
+                <a:solidFill>
+                  <a:srgbClr val="FF5050"/>
+                </a:solidFill>
+              </a:rPr>
+              <a:t>"</a:t>
+            </a:r>
+            <a:r>
+              <a:rPr lang="en-US" dirty="0">
+                <a:solidFill>
+                  <a:schemeClr val="tx1"/>
+                </a:solidFill>
+              </a:rPr>
+              <a:t>);</a:t>
+            </a:r>
+          </a:p>
+        </p:txBody>
+      </p:sp>
+      <p:sp>
+        <p:nvSpPr>
+          <p:cNvPr id="17" name="Rectangle 16">
+            <a:extLst>
+              <a:ext uri="{FF2B5EF4-FFF2-40B4-BE49-F238E27FC236}">
+                <a16:creationId xmlns:a16="http://schemas.microsoft.com/office/drawing/2014/main" id="{27579368-31F4-4D9D-A5CD-90162B5AFBB1}"/>
+              </a:ext>
+            </a:extLst>
+          </p:cNvPr>
+          <p:cNvSpPr/>
+          <p:nvPr/>
+        </p:nvSpPr>
+        <p:spPr>
+          <a:xfrm>
+            <a:off x="8273414" y="3816013"/>
+            <a:ext cx="3044197" cy="1993354"/>
+          </a:xfrm>
+          <a:prstGeom prst="rect">
+            <a:avLst/>
+          </a:prstGeom>
+          <a:solidFill>
+            <a:schemeClr val="bg1">
+              <a:lumMod val="85000"/>
+              <a:lumOff val="15000"/>
+            </a:schemeClr>
+          </a:solidFill>
+          <a:ln>
+            <a:solidFill>
+              <a:schemeClr val="bg1"/>
+            </a:solidFill>
+          </a:ln>
+        </p:spPr>
+        <p:style>
+          <a:lnRef idx="2">
+            <a:schemeClr val="accent1">
+              <a:shade val="50000"/>
+            </a:schemeClr>
+          </a:lnRef>
+          <a:fillRef idx="1">
+            <a:schemeClr val="accent1"/>
+          </a:fillRef>
+          <a:effectRef idx="0">
+            <a:schemeClr val="accent1"/>
+          </a:effectRef>
+          <a:fontRef idx="minor">
+            <a:schemeClr val="lt1"/>
+          </a:fontRef>
+        </p:style>
+        <p:txBody>
+          <a:bodyPr rtlCol="0" anchor="t"/>
+          <a:lstStyle/>
+          <a:p>
+            <a:r>
+              <a:rPr lang="en-US" dirty="0">
+                <a:latin typeface="Consolas" panose="020B0609020204030204" pitchFamily="49" charset="0"/>
+              </a:rPr>
+              <a:t>1,537,963.67</a:t>
+            </a:r>
+          </a:p>
+          <a:p>
+            <a:r>
+              <a:rPr lang="en-US" dirty="0">
+                <a:latin typeface="Consolas" panose="020B0609020204030204" pitchFamily="49" charset="0"/>
+              </a:rPr>
+              <a:t>1,537,963.666</a:t>
+            </a:r>
+          </a:p>
+          <a:p>
+            <a:r>
+              <a:rPr lang="en-US" dirty="0">
+                <a:latin typeface="Consolas" panose="020B0609020204030204" pitchFamily="49" charset="0"/>
+              </a:rPr>
+              <a:t>1,537,963.7</a:t>
+            </a:r>
+          </a:p>
+          <a:p>
+            <a:r>
+              <a:rPr lang="en-US" dirty="0">
+                <a:latin typeface="Consolas" panose="020B0609020204030204" pitchFamily="49" charset="0"/>
+              </a:rPr>
+              <a:t>13.4%</a:t>
+            </a:r>
+          </a:p>
+          <a:p>
+            <a:r>
+              <a:rPr lang="en-US" dirty="0">
+                <a:latin typeface="Consolas" panose="020B0609020204030204" pitchFamily="49" charset="0"/>
+              </a:rPr>
+              <a:t>13.3700%</a:t>
+            </a:r>
+          </a:p>
+        </p:txBody>
+      </p:sp>
+      <p:sp>
+        <p:nvSpPr>
+          <p:cNvPr id="18" name="Arrow: Right 17">
+            <a:extLst>
+              <a:ext uri="{FF2B5EF4-FFF2-40B4-BE49-F238E27FC236}">
+                <a16:creationId xmlns:a16="http://schemas.microsoft.com/office/drawing/2014/main" id="{468A764C-2AE8-4BA0-BB53-805AB3CE6EBA}"/>
+              </a:ext>
+            </a:extLst>
+          </p:cNvPr>
+          <p:cNvSpPr/>
+          <p:nvPr/>
+        </p:nvSpPr>
+        <p:spPr>
+          <a:xfrm>
+            <a:off x="7331044" y="4631151"/>
+            <a:ext cx="533400" cy="381000"/>
+          </a:xfrm>
+          <a:prstGeom prst="rightArrow">
+            <a:avLst/>
+          </a:prstGeom>
+        </p:spPr>
+        <p:style>
+          <a:lnRef idx="2">
+            <a:schemeClr val="accent1">
+              <a:shade val="50000"/>
+            </a:schemeClr>
+          </a:lnRef>
+          <a:fillRef idx="1">
+            <a:schemeClr val="accent1"/>
+          </a:fillRef>
+          <a:effectRef idx="0">
+            <a:schemeClr val="accent1"/>
+          </a:effectRef>
+          <a:fontRef idx="minor">
+            <a:schemeClr val="lt1"/>
+          </a:fontRef>
+        </p:style>
+        <p:txBody>
+          <a:bodyPr rtlCol="0" anchor="ctr"/>
+          <a:lstStyle/>
+          <a:p>
+            <a:pPr algn="ctr"/>
+            <a:endParaRPr lang="en-US"/>
+          </a:p>
+        </p:txBody>
+      </p:sp>
+    </p:spTree>
+    <p:extLst>
+      <p:ext uri="{BB962C8B-B14F-4D97-AF65-F5344CB8AC3E}">
+        <p14:creationId xmlns:p14="http://schemas.microsoft.com/office/powerpoint/2010/main" val="3592850504"/>
       </p:ext>
     </p:extLst>
   </p:cSld>
@@ -12208,6 +14794,12 @@
             <a:r>
               <a:rPr lang="en-US" dirty="0"/>
               <a:t>Displaying</a:t>
+            </a:r>
+          </a:p>
+          <a:p>
+            <a:r>
+              <a:rPr lang="en-US" dirty="0"/>
+              <a:t>Format Specifiers</a:t>
             </a:r>
           </a:p>
         </p:txBody>
@@ -15217,6 +17809,12 @@
             <a:r>
               <a:rPr lang="en-US" dirty="0"/>
               <a:t>Displaying</a:t>
+            </a:r>
+          </a:p>
+          <a:p>
+            <a:r>
+              <a:rPr lang="en-US" dirty="0"/>
+              <a:t>Format Specifiers</a:t>
             </a:r>
           </a:p>
         </p:txBody>
